--- a/pres_plante_co.pptx
+++ b/pres_plante_co.pptx
@@ -5,10 +5,21 @@
     <p:sldMasterId id="2147483648" r:id="rId1"/>
     <p:sldMasterId id="2147483661" r:id="rId2"/>
   </p:sldMasterIdLst>
+  <p:notesMasterIdLst>
+    <p:notesMasterId r:id="rId14"/>
+  </p:notesMasterIdLst>
   <p:sldIdLst>
     <p:sldId id="256" r:id="rId3"/>
     <p:sldId id="259" r:id="rId4"/>
     <p:sldId id="257" r:id="rId5"/>
+    <p:sldId id="260" r:id="rId6"/>
+    <p:sldId id="261" r:id="rId7"/>
+    <p:sldId id="263" r:id="rId8"/>
+    <p:sldId id="262" r:id="rId9"/>
+    <p:sldId id="264" r:id="rId10"/>
+    <p:sldId id="265" r:id="rId11"/>
+    <p:sldId id="266" r:id="rId12"/>
+    <p:sldId id="267" r:id="rId13"/>
   </p:sldIdLst>
   <p:sldSz cx="9144000" cy="5143500" type="screen16x9"/>
   <p:notesSz cx="6858000" cy="9144000"/>
@@ -126,6 +137,524 @@
 </p:presentation>
 </file>
 
+<file path=ppt/notesMasters/notesMaster1.xml><?xml version="1.0" encoding="utf-8"?>
+<p:notesMaster xmlns:a="http://schemas.openxmlformats.org/drawingml/2006/main" xmlns:r="http://schemas.openxmlformats.org/officeDocument/2006/relationships" xmlns:p="http://schemas.openxmlformats.org/presentationml/2006/main">
+  <p:cSld>
+    <p:bg>
+      <p:bgRef idx="1001">
+        <a:schemeClr val="bg1"/>
+      </p:bgRef>
+    </p:bg>
+    <p:spTree>
+      <p:nvGrpSpPr>
+        <p:cNvPr id="1" name=""/>
+        <p:cNvGrpSpPr/>
+        <p:nvPr/>
+      </p:nvGrpSpPr>
+      <p:grpSpPr>
+        <a:xfrm>
+          <a:off x="0" y="0"/>
+          <a:ext cx="0" cy="0"/>
+          <a:chOff x="0" y="0"/>
+          <a:chExt cx="0" cy="0"/>
+        </a:xfrm>
+      </p:grpSpPr>
+      <p:sp>
+        <p:nvSpPr>
+          <p:cNvPr id="2" name="Espace réservé de l'en-tête 1"/>
+          <p:cNvSpPr>
+            <a:spLocks noGrp="1"/>
+          </p:cNvSpPr>
+          <p:nvPr>
+            <p:ph type="hdr" sz="quarter"/>
+          </p:nvPr>
+        </p:nvSpPr>
+        <p:spPr>
+          <a:xfrm>
+            <a:off x="0" y="0"/>
+            <a:ext cx="2971800" cy="458788"/>
+          </a:xfrm>
+          <a:prstGeom prst="rect">
+            <a:avLst/>
+          </a:prstGeom>
+        </p:spPr>
+        <p:txBody>
+          <a:bodyPr vert="horz" lIns="91440" tIns="45720" rIns="91440" bIns="45720" rtlCol="0"/>
+          <a:lstStyle>
+            <a:lvl1pPr algn="l">
+              <a:defRPr sz="1200"/>
+            </a:lvl1pPr>
+          </a:lstStyle>
+          <a:p>
+            <a:endParaRPr lang="fr-FR"/>
+          </a:p>
+        </p:txBody>
+      </p:sp>
+      <p:sp>
+        <p:nvSpPr>
+          <p:cNvPr id="3" name="Espace réservé de la date 2"/>
+          <p:cNvSpPr>
+            <a:spLocks noGrp="1"/>
+          </p:cNvSpPr>
+          <p:nvPr>
+            <p:ph type="dt" idx="1"/>
+          </p:nvPr>
+        </p:nvSpPr>
+        <p:spPr>
+          <a:xfrm>
+            <a:off x="3884613" y="0"/>
+            <a:ext cx="2971800" cy="458788"/>
+          </a:xfrm>
+          <a:prstGeom prst="rect">
+            <a:avLst/>
+          </a:prstGeom>
+        </p:spPr>
+        <p:txBody>
+          <a:bodyPr vert="horz" lIns="91440" tIns="45720" rIns="91440" bIns="45720" rtlCol="0"/>
+          <a:lstStyle>
+            <a:lvl1pPr algn="r">
+              <a:defRPr sz="1200"/>
+            </a:lvl1pPr>
+          </a:lstStyle>
+          <a:p>
+            <a:fld id="{BC6F5F6C-4534-45F6-9E53-B928B9AB8227}" type="datetimeFigureOut">
+              <a:rPr lang="fr-FR" smtClean="0"/>
+              <a:t>11/06/2019</a:t>
+            </a:fld>
+            <a:endParaRPr lang="fr-FR"/>
+          </a:p>
+        </p:txBody>
+      </p:sp>
+      <p:sp>
+        <p:nvSpPr>
+          <p:cNvPr id="4" name="Espace réservé de l'image des diapositives 3"/>
+          <p:cNvSpPr>
+            <a:spLocks noGrp="1" noRot="1" noChangeAspect="1"/>
+          </p:cNvSpPr>
+          <p:nvPr>
+            <p:ph type="sldImg" idx="2"/>
+          </p:nvPr>
+        </p:nvSpPr>
+        <p:spPr>
+          <a:xfrm>
+            <a:off x="685800" y="1143000"/>
+            <a:ext cx="5486400" cy="3086100"/>
+          </a:xfrm>
+          <a:prstGeom prst="rect">
+            <a:avLst/>
+          </a:prstGeom>
+          <a:noFill/>
+          <a:ln w="12700">
+            <a:solidFill>
+              <a:prstClr val="black"/>
+            </a:solidFill>
+          </a:ln>
+        </p:spPr>
+        <p:txBody>
+          <a:bodyPr vert="horz" lIns="91440" tIns="45720" rIns="91440" bIns="45720" rtlCol="0" anchor="ctr"/>
+          <a:lstStyle/>
+          <a:p>
+            <a:endParaRPr lang="fr-FR"/>
+          </a:p>
+        </p:txBody>
+      </p:sp>
+      <p:sp>
+        <p:nvSpPr>
+          <p:cNvPr id="5" name="Espace réservé des commentaires 4"/>
+          <p:cNvSpPr>
+            <a:spLocks noGrp="1"/>
+          </p:cNvSpPr>
+          <p:nvPr>
+            <p:ph type="body" sz="quarter" idx="3"/>
+          </p:nvPr>
+        </p:nvSpPr>
+        <p:spPr>
+          <a:xfrm>
+            <a:off x="685800" y="4400550"/>
+            <a:ext cx="5486400" cy="3600450"/>
+          </a:xfrm>
+          <a:prstGeom prst="rect">
+            <a:avLst/>
+          </a:prstGeom>
+        </p:spPr>
+        <p:txBody>
+          <a:bodyPr vert="horz" lIns="91440" tIns="45720" rIns="91440" bIns="45720" rtlCol="0"/>
+          <a:lstStyle/>
+          <a:p>
+            <a:pPr lvl="0"/>
+            <a:r>
+              <a:rPr lang="fr-FR" smtClean="0"/>
+              <a:t>Modifiez les styles du texte du masque</a:t>
+            </a:r>
+          </a:p>
+          <a:p>
+            <a:pPr lvl="1"/>
+            <a:r>
+              <a:rPr lang="fr-FR" smtClean="0"/>
+              <a:t>Deuxième niveau</a:t>
+            </a:r>
+          </a:p>
+          <a:p>
+            <a:pPr lvl="2"/>
+            <a:r>
+              <a:rPr lang="fr-FR" smtClean="0"/>
+              <a:t>Troisième niveau</a:t>
+            </a:r>
+          </a:p>
+          <a:p>
+            <a:pPr lvl="3"/>
+            <a:r>
+              <a:rPr lang="fr-FR" smtClean="0"/>
+              <a:t>Quatrième niveau</a:t>
+            </a:r>
+          </a:p>
+          <a:p>
+            <a:pPr lvl="4"/>
+            <a:r>
+              <a:rPr lang="fr-FR" smtClean="0"/>
+              <a:t>Cinquième niveau</a:t>
+            </a:r>
+            <a:endParaRPr lang="fr-FR"/>
+          </a:p>
+        </p:txBody>
+      </p:sp>
+      <p:sp>
+        <p:nvSpPr>
+          <p:cNvPr id="6" name="Espace réservé du pied de page 5"/>
+          <p:cNvSpPr>
+            <a:spLocks noGrp="1"/>
+          </p:cNvSpPr>
+          <p:nvPr>
+            <p:ph type="ftr" sz="quarter" idx="4"/>
+          </p:nvPr>
+        </p:nvSpPr>
+        <p:spPr>
+          <a:xfrm>
+            <a:off x="0" y="8685213"/>
+            <a:ext cx="2971800" cy="458787"/>
+          </a:xfrm>
+          <a:prstGeom prst="rect">
+            <a:avLst/>
+          </a:prstGeom>
+        </p:spPr>
+        <p:txBody>
+          <a:bodyPr vert="horz" lIns="91440" tIns="45720" rIns="91440" bIns="45720" rtlCol="0" anchor="b"/>
+          <a:lstStyle>
+            <a:lvl1pPr algn="l">
+              <a:defRPr sz="1200"/>
+            </a:lvl1pPr>
+          </a:lstStyle>
+          <a:p>
+            <a:endParaRPr lang="fr-FR"/>
+          </a:p>
+        </p:txBody>
+      </p:sp>
+      <p:sp>
+        <p:nvSpPr>
+          <p:cNvPr id="7" name="Espace réservé du numéro de diapositive 6"/>
+          <p:cNvSpPr>
+            <a:spLocks noGrp="1"/>
+          </p:cNvSpPr>
+          <p:nvPr>
+            <p:ph type="sldNum" sz="quarter" idx="5"/>
+          </p:nvPr>
+        </p:nvSpPr>
+        <p:spPr>
+          <a:xfrm>
+            <a:off x="3884613" y="8685213"/>
+            <a:ext cx="2971800" cy="458787"/>
+          </a:xfrm>
+          <a:prstGeom prst="rect">
+            <a:avLst/>
+          </a:prstGeom>
+        </p:spPr>
+        <p:txBody>
+          <a:bodyPr vert="horz" lIns="91440" tIns="45720" rIns="91440" bIns="45720" rtlCol="0" anchor="b"/>
+          <a:lstStyle>
+            <a:lvl1pPr algn="r">
+              <a:defRPr sz="1200"/>
+            </a:lvl1pPr>
+          </a:lstStyle>
+          <a:p>
+            <a:fld id="{54DAC8D1-B67E-4118-B115-81E6D331B22B}" type="slidenum">
+              <a:rPr lang="fr-FR" smtClean="0"/>
+              <a:t>‹N°›</a:t>
+            </a:fld>
+            <a:endParaRPr lang="fr-FR"/>
+          </a:p>
+        </p:txBody>
+      </p:sp>
+    </p:spTree>
+    <p:extLst>
+      <p:ext uri="{BB962C8B-B14F-4D97-AF65-F5344CB8AC3E}">
+        <p14:creationId xmlns:p14="http://schemas.microsoft.com/office/powerpoint/2010/main" val="2485840381"/>
+      </p:ext>
+    </p:extLst>
+  </p:cSld>
+  <p:clrMap bg1="lt1" tx1="dk1" bg2="lt2" tx2="dk2" accent1="accent1" accent2="accent2" accent3="accent3" accent4="accent4" accent5="accent5" accent6="accent6" hlink="hlink" folHlink="folHlink"/>
+  <p:notesStyle>
+    <a:lvl1pPr marL="0" algn="l" defTabSz="914400" rtl="0" eaLnBrk="1" latinLnBrk="0" hangingPunct="1">
+      <a:defRPr sz="1200" kern="1200">
+        <a:solidFill>
+          <a:schemeClr val="tx1"/>
+        </a:solidFill>
+        <a:latin typeface="+mn-lt"/>
+        <a:ea typeface="+mn-ea"/>
+        <a:cs typeface="+mn-cs"/>
+      </a:defRPr>
+    </a:lvl1pPr>
+    <a:lvl2pPr marL="457200" algn="l" defTabSz="914400" rtl="0" eaLnBrk="1" latinLnBrk="0" hangingPunct="1">
+      <a:defRPr sz="1200" kern="1200">
+        <a:solidFill>
+          <a:schemeClr val="tx1"/>
+        </a:solidFill>
+        <a:latin typeface="+mn-lt"/>
+        <a:ea typeface="+mn-ea"/>
+        <a:cs typeface="+mn-cs"/>
+      </a:defRPr>
+    </a:lvl2pPr>
+    <a:lvl3pPr marL="914400" algn="l" defTabSz="914400" rtl="0" eaLnBrk="1" latinLnBrk="0" hangingPunct="1">
+      <a:defRPr sz="1200" kern="1200">
+        <a:solidFill>
+          <a:schemeClr val="tx1"/>
+        </a:solidFill>
+        <a:latin typeface="+mn-lt"/>
+        <a:ea typeface="+mn-ea"/>
+        <a:cs typeface="+mn-cs"/>
+      </a:defRPr>
+    </a:lvl3pPr>
+    <a:lvl4pPr marL="1371600" algn="l" defTabSz="914400" rtl="0" eaLnBrk="1" latinLnBrk="0" hangingPunct="1">
+      <a:defRPr sz="1200" kern="1200">
+        <a:solidFill>
+          <a:schemeClr val="tx1"/>
+        </a:solidFill>
+        <a:latin typeface="+mn-lt"/>
+        <a:ea typeface="+mn-ea"/>
+        <a:cs typeface="+mn-cs"/>
+      </a:defRPr>
+    </a:lvl4pPr>
+    <a:lvl5pPr marL="1828800" algn="l" defTabSz="914400" rtl="0" eaLnBrk="1" latinLnBrk="0" hangingPunct="1">
+      <a:defRPr sz="1200" kern="1200">
+        <a:solidFill>
+          <a:schemeClr val="tx1"/>
+        </a:solidFill>
+        <a:latin typeface="+mn-lt"/>
+        <a:ea typeface="+mn-ea"/>
+        <a:cs typeface="+mn-cs"/>
+      </a:defRPr>
+    </a:lvl5pPr>
+    <a:lvl6pPr marL="2286000" algn="l" defTabSz="914400" rtl="0" eaLnBrk="1" latinLnBrk="0" hangingPunct="1">
+      <a:defRPr sz="1200" kern="1200">
+        <a:solidFill>
+          <a:schemeClr val="tx1"/>
+        </a:solidFill>
+        <a:latin typeface="+mn-lt"/>
+        <a:ea typeface="+mn-ea"/>
+        <a:cs typeface="+mn-cs"/>
+      </a:defRPr>
+    </a:lvl6pPr>
+    <a:lvl7pPr marL="2743200" algn="l" defTabSz="914400" rtl="0" eaLnBrk="1" latinLnBrk="0" hangingPunct="1">
+      <a:defRPr sz="1200" kern="1200">
+        <a:solidFill>
+          <a:schemeClr val="tx1"/>
+        </a:solidFill>
+        <a:latin typeface="+mn-lt"/>
+        <a:ea typeface="+mn-ea"/>
+        <a:cs typeface="+mn-cs"/>
+      </a:defRPr>
+    </a:lvl7pPr>
+    <a:lvl8pPr marL="3200400" algn="l" defTabSz="914400" rtl="0" eaLnBrk="1" latinLnBrk="0" hangingPunct="1">
+      <a:defRPr sz="1200" kern="1200">
+        <a:solidFill>
+          <a:schemeClr val="tx1"/>
+        </a:solidFill>
+        <a:latin typeface="+mn-lt"/>
+        <a:ea typeface="+mn-ea"/>
+        <a:cs typeface="+mn-cs"/>
+      </a:defRPr>
+    </a:lvl8pPr>
+    <a:lvl9pPr marL="3657600" algn="l" defTabSz="914400" rtl="0" eaLnBrk="1" latinLnBrk="0" hangingPunct="1">
+      <a:defRPr sz="1200" kern="1200">
+        <a:solidFill>
+          <a:schemeClr val="tx1"/>
+        </a:solidFill>
+        <a:latin typeface="+mn-lt"/>
+        <a:ea typeface="+mn-ea"/>
+        <a:cs typeface="+mn-cs"/>
+      </a:defRPr>
+    </a:lvl9pPr>
+  </p:notesStyle>
+</p:notesMaster>
+</file>
+
+<file path=ppt/notesSlides/notesSlide1.xml><?xml version="1.0" encoding="utf-8"?>
+<p:notes xmlns:a="http://schemas.openxmlformats.org/drawingml/2006/main" xmlns:r="http://schemas.openxmlformats.org/officeDocument/2006/relationships" xmlns:p="http://schemas.openxmlformats.org/presentationml/2006/main">
+  <p:cSld>
+    <p:spTree>
+      <p:nvGrpSpPr>
+        <p:cNvPr id="1" name=""/>
+        <p:cNvGrpSpPr/>
+        <p:nvPr/>
+      </p:nvGrpSpPr>
+      <p:grpSpPr>
+        <a:xfrm>
+          <a:off x="0" y="0"/>
+          <a:ext cx="0" cy="0"/>
+          <a:chOff x="0" y="0"/>
+          <a:chExt cx="0" cy="0"/>
+        </a:xfrm>
+      </p:grpSpPr>
+      <p:sp>
+        <p:nvSpPr>
+          <p:cNvPr id="2" name="Espace réservé de l'image des diapositives 1"/>
+          <p:cNvSpPr>
+            <a:spLocks noGrp="1" noRot="1" noChangeAspect="1"/>
+          </p:cNvSpPr>
+          <p:nvPr>
+            <p:ph type="sldImg"/>
+          </p:nvPr>
+        </p:nvSpPr>
+        <p:spPr/>
+      </p:sp>
+      <p:sp>
+        <p:nvSpPr>
+          <p:cNvPr id="3" name="Espace réservé des commentaires 2"/>
+          <p:cNvSpPr>
+            <a:spLocks noGrp="1"/>
+          </p:cNvSpPr>
+          <p:nvPr>
+            <p:ph type="body" idx="1"/>
+          </p:nvPr>
+        </p:nvSpPr>
+        <p:spPr/>
+        <p:txBody>
+          <a:bodyPr/>
+          <a:lstStyle/>
+          <a:p>
+            <a:endParaRPr lang="fr-FR" dirty="0"/>
+          </a:p>
+        </p:txBody>
+      </p:sp>
+      <p:sp>
+        <p:nvSpPr>
+          <p:cNvPr id="4" name="Espace réservé du numéro de diapositive 3"/>
+          <p:cNvSpPr>
+            <a:spLocks noGrp="1"/>
+          </p:cNvSpPr>
+          <p:nvPr>
+            <p:ph type="sldNum" sz="quarter" idx="10"/>
+          </p:nvPr>
+        </p:nvSpPr>
+        <p:spPr/>
+        <p:txBody>
+          <a:bodyPr/>
+          <a:lstStyle/>
+          <a:p>
+            <a:fld id="{54DAC8D1-B67E-4118-B115-81E6D331B22B}" type="slidenum">
+              <a:rPr lang="fr-FR" smtClean="0"/>
+              <a:t>3</a:t>
+            </a:fld>
+            <a:endParaRPr lang="fr-FR"/>
+          </a:p>
+        </p:txBody>
+      </p:sp>
+    </p:spTree>
+    <p:extLst>
+      <p:ext uri="{BB962C8B-B14F-4D97-AF65-F5344CB8AC3E}">
+        <p14:creationId xmlns:p14="http://schemas.microsoft.com/office/powerpoint/2010/main" val="1488821920"/>
+      </p:ext>
+    </p:extLst>
+  </p:cSld>
+  <p:clrMapOvr>
+    <a:masterClrMapping/>
+  </p:clrMapOvr>
+</p:notes>
+</file>
+
+<file path=ppt/notesSlides/notesSlide2.xml><?xml version="1.0" encoding="utf-8"?>
+<p:notes xmlns:a="http://schemas.openxmlformats.org/drawingml/2006/main" xmlns:r="http://schemas.openxmlformats.org/officeDocument/2006/relationships" xmlns:p="http://schemas.openxmlformats.org/presentationml/2006/main">
+  <p:cSld>
+    <p:spTree>
+      <p:nvGrpSpPr>
+        <p:cNvPr id="1" name=""/>
+        <p:cNvGrpSpPr/>
+        <p:nvPr/>
+      </p:nvGrpSpPr>
+      <p:grpSpPr>
+        <a:xfrm>
+          <a:off x="0" y="0"/>
+          <a:ext cx="0" cy="0"/>
+          <a:chOff x="0" y="0"/>
+          <a:chExt cx="0" cy="0"/>
+        </a:xfrm>
+      </p:grpSpPr>
+      <p:sp>
+        <p:nvSpPr>
+          <p:cNvPr id="2" name="Espace réservé de l'image des diapositives 1"/>
+          <p:cNvSpPr>
+            <a:spLocks noGrp="1" noRot="1" noChangeAspect="1"/>
+          </p:cNvSpPr>
+          <p:nvPr>
+            <p:ph type="sldImg"/>
+          </p:nvPr>
+        </p:nvSpPr>
+        <p:spPr/>
+      </p:sp>
+      <p:sp>
+        <p:nvSpPr>
+          <p:cNvPr id="3" name="Espace réservé des commentaires 2"/>
+          <p:cNvSpPr>
+            <a:spLocks noGrp="1"/>
+          </p:cNvSpPr>
+          <p:nvPr>
+            <p:ph type="body" idx="1"/>
+          </p:nvPr>
+        </p:nvSpPr>
+        <p:spPr/>
+        <p:txBody>
+          <a:bodyPr/>
+          <a:lstStyle/>
+          <a:p>
+            <a:endParaRPr lang="fr-FR" dirty="0"/>
+          </a:p>
+        </p:txBody>
+      </p:sp>
+      <p:sp>
+        <p:nvSpPr>
+          <p:cNvPr id="4" name="Espace réservé du numéro de diapositive 3"/>
+          <p:cNvSpPr>
+            <a:spLocks noGrp="1"/>
+          </p:cNvSpPr>
+          <p:nvPr>
+            <p:ph type="sldNum" sz="quarter" idx="10"/>
+          </p:nvPr>
+        </p:nvSpPr>
+        <p:spPr/>
+        <p:txBody>
+          <a:bodyPr/>
+          <a:lstStyle/>
+          <a:p>
+            <a:fld id="{54DAC8D1-B67E-4118-B115-81E6D331B22B}" type="slidenum">
+              <a:rPr lang="fr-FR" smtClean="0"/>
+              <a:t>5</a:t>
+            </a:fld>
+            <a:endParaRPr lang="fr-FR"/>
+          </a:p>
+        </p:txBody>
+      </p:sp>
+    </p:spTree>
+    <p:extLst>
+      <p:ext uri="{BB962C8B-B14F-4D97-AF65-F5344CB8AC3E}">
+        <p14:creationId xmlns:p14="http://schemas.microsoft.com/office/powerpoint/2010/main" val="847169636"/>
+      </p:ext>
+    </p:extLst>
+  </p:cSld>
+  <p:clrMapOvr>
+    <a:masterClrMapping/>
+  </p:clrMapOvr>
+</p:notes>
+</file>
+
 <file path=ppt/slideLayouts/slideLayout1.xml><?xml version="1.0" encoding="utf-8"?>
 <p:sldLayout xmlns:a="http://schemas.openxmlformats.org/drawingml/2006/main" xmlns:r="http://schemas.openxmlformats.org/officeDocument/2006/relationships" xmlns:p="http://schemas.openxmlformats.org/presentationml/2006/main" preserve="1" userDrawn="1">
   <p:cSld name="Title Slide">
@@ -204,7 +733,7 @@
           <a:p>
             <a:fld id="{63937D59-5EDB-4C39-B697-625748F703B6}" type="datetimeFigureOut">
               <a:rPr lang="en-US" smtClean="0"/>
-              <a:t>6/10/2019</a:t>
+              <a:t>6/11/2019</a:t>
             </a:fld>
             <a:endParaRPr lang="en-US"/>
           </a:p>
@@ -481,7 +1010,7 @@
           <a:p>
             <a:fld id="{63937D59-5EDB-4C39-B697-625748F703B6}" type="datetimeFigureOut">
               <a:rPr lang="en-US" smtClean="0"/>
-              <a:t>6/10/2019</a:t>
+              <a:t>6/11/2019</a:t>
             </a:fld>
             <a:endParaRPr lang="en-US"/>
           </a:p>
@@ -734,7 +1263,7 @@
           <a:p>
             <a:fld id="{63937D59-5EDB-4C39-B697-625748F703B6}" type="datetimeFigureOut">
               <a:rPr lang="en-US" smtClean="0"/>
-              <a:t>6/10/2019</a:t>
+              <a:t>6/11/2019</a:t>
             </a:fld>
             <a:endParaRPr lang="en-US"/>
           </a:p>
@@ -904,7 +1433,7 @@
           <a:p>
             <a:fld id="{63937D59-5EDB-4C39-B697-625748F703B6}" type="datetimeFigureOut">
               <a:rPr lang="en-US" smtClean="0"/>
-              <a:t>6/10/2019</a:t>
+              <a:t>6/11/2019</a:t>
             </a:fld>
             <a:endParaRPr lang="en-US"/>
           </a:p>
@@ -1084,7 +1613,7 @@
           <a:p>
             <a:fld id="{63937D59-5EDB-4C39-B697-625748F703B6}" type="datetimeFigureOut">
               <a:rPr lang="en-US" smtClean="0"/>
-              <a:t>6/10/2019</a:t>
+              <a:t>6/11/2019</a:t>
             </a:fld>
             <a:endParaRPr lang="en-US"/>
           </a:p>
@@ -1670,7 +2199,7 @@
           <a:p>
             <a:fld id="{63937D59-5EDB-4C39-B697-625748F703B6}" type="datetimeFigureOut">
               <a:rPr lang="en-US" smtClean="0"/>
-              <a:t>6/10/2019</a:t>
+              <a:t>6/11/2019</a:t>
             </a:fld>
             <a:endParaRPr lang="en-US"/>
           </a:p>
@@ -1840,7 +2369,7 @@
           <a:p>
             <a:fld id="{63937D59-5EDB-4C39-B697-625748F703B6}" type="datetimeFigureOut">
               <a:rPr lang="en-US" smtClean="0"/>
-              <a:t>6/10/2019</a:t>
+              <a:t>6/11/2019</a:t>
             </a:fld>
             <a:endParaRPr lang="en-US"/>
           </a:p>
@@ -2086,7 +2615,7 @@
           <a:p>
             <a:fld id="{63937D59-5EDB-4C39-B697-625748F703B6}" type="datetimeFigureOut">
               <a:rPr lang="en-US" smtClean="0"/>
-              <a:t>6/10/2019</a:t>
+              <a:t>6/11/2019</a:t>
             </a:fld>
             <a:endParaRPr lang="en-US"/>
           </a:p>
@@ -2374,7 +2903,7 @@
           <a:p>
             <a:fld id="{63937D59-5EDB-4C39-B697-625748F703B6}" type="datetimeFigureOut">
               <a:rPr lang="en-US" smtClean="0"/>
-              <a:t>6/10/2019</a:t>
+              <a:t>6/11/2019</a:t>
             </a:fld>
             <a:endParaRPr lang="en-US"/>
           </a:p>
@@ -2796,7 +3325,7 @@
           <a:p>
             <a:fld id="{63937D59-5EDB-4C39-B697-625748F703B6}" type="datetimeFigureOut">
               <a:rPr lang="en-US" smtClean="0"/>
-              <a:t>6/10/2019</a:t>
+              <a:t>6/11/2019</a:t>
             </a:fld>
             <a:endParaRPr lang="en-US"/>
           </a:p>
@@ -2914,7 +3443,7 @@
           <a:p>
             <a:fld id="{63937D59-5EDB-4C39-B697-625748F703B6}" type="datetimeFigureOut">
               <a:rPr lang="en-US" smtClean="0"/>
-              <a:t>6/10/2019</a:t>
+              <a:t>6/11/2019</a:t>
             </a:fld>
             <a:endParaRPr lang="en-US"/>
           </a:p>
@@ -3418,7 +3947,7 @@
           <a:p>
             <a:fld id="{63937D59-5EDB-4C39-B697-625748F703B6}" type="datetimeFigureOut">
               <a:rPr lang="en-US" smtClean="0"/>
-              <a:t>6/10/2019</a:t>
+              <a:t>6/11/2019</a:t>
             </a:fld>
             <a:endParaRPr lang="en-US"/>
           </a:p>
@@ -4063,6 +4592,456 @@
 </p:sld>
 </file>
 
+<file path=ppt/slides/slide10.xml><?xml version="1.0" encoding="utf-8"?>
+<p:sld xmlns:a="http://schemas.openxmlformats.org/drawingml/2006/main" xmlns:r="http://schemas.openxmlformats.org/officeDocument/2006/relationships" xmlns:p="http://schemas.openxmlformats.org/presentationml/2006/main">
+  <p:cSld>
+    <p:spTree>
+      <p:nvGrpSpPr>
+        <p:cNvPr id="1" name=""/>
+        <p:cNvGrpSpPr/>
+        <p:nvPr/>
+      </p:nvGrpSpPr>
+      <p:grpSpPr>
+        <a:xfrm>
+          <a:off x="0" y="0"/>
+          <a:ext cx="0" cy="0"/>
+          <a:chOff x="0" y="0"/>
+          <a:chExt cx="0" cy="0"/>
+        </a:xfrm>
+      </p:grpSpPr>
+      <p:sp>
+        <p:nvSpPr>
+          <p:cNvPr id="2" name="Content Placeholder 1"/>
+          <p:cNvSpPr>
+            <a:spLocks noGrp="1"/>
+          </p:cNvSpPr>
+          <p:nvPr>
+            <p:ph idx="1"/>
+          </p:nvPr>
+        </p:nvSpPr>
+        <p:spPr>
+          <a:xfrm>
+            <a:off x="514689" y="987575"/>
+            <a:ext cx="8496944" cy="3674908"/>
+          </a:xfrm>
+        </p:spPr>
+        <p:txBody>
+          <a:bodyPr/>
+          <a:lstStyle/>
+          <a:p>
+            <a:pPr marL="342900" indent="-342900">
+              <a:buFont typeface="Arial" panose="020B0604020202020204" pitchFamily="34" charset="0"/>
+              <a:buChar char="•"/>
+            </a:pPr>
+            <a:r>
+              <a:rPr lang="en-US" sz="2800" b="1" dirty="0" smtClean="0">
+                <a:latin typeface="Arial" pitchFamily="34" charset="0"/>
+                <a:cs typeface="Arial" pitchFamily="34" charset="0"/>
+              </a:rPr>
+              <a:t>Envoi </a:t>
+            </a:r>
+            <a:r>
+              <a:rPr lang="en-US" sz="2800" b="1" dirty="0" err="1" smtClean="0">
+                <a:latin typeface="Arial" pitchFamily="34" charset="0"/>
+                <a:cs typeface="Arial" pitchFamily="34" charset="0"/>
+              </a:rPr>
+              <a:t>d’alertes</a:t>
+            </a:r>
+            <a:endParaRPr lang="en-US" sz="2800" b="1" dirty="0" smtClean="0">
+              <a:latin typeface="Arial" pitchFamily="34" charset="0"/>
+              <a:cs typeface="Arial" pitchFamily="34" charset="0"/>
+            </a:endParaRPr>
+          </a:p>
+          <a:p>
+            <a:endParaRPr lang="en-US" sz="2800" b="1" dirty="0">
+              <a:latin typeface="Arial" pitchFamily="34" charset="0"/>
+              <a:cs typeface="Arial" pitchFamily="34" charset="0"/>
+            </a:endParaRPr>
+          </a:p>
+          <a:p>
+            <a:pPr marL="342900" indent="-342900">
+              <a:buFont typeface="Arial" panose="020B0604020202020204" pitchFamily="34" charset="0"/>
+              <a:buChar char="•"/>
+            </a:pPr>
+            <a:r>
+              <a:rPr lang="en-US" sz="2800" b="1" dirty="0" err="1" smtClean="0">
+                <a:latin typeface="Arial" pitchFamily="34" charset="0"/>
+                <a:cs typeface="Arial" pitchFamily="34" charset="0"/>
+              </a:rPr>
+              <a:t>Ajout</a:t>
+            </a:r>
+            <a:r>
+              <a:rPr lang="en-US" sz="2800" b="1" dirty="0" smtClean="0">
+                <a:latin typeface="Arial" pitchFamily="34" charset="0"/>
+                <a:cs typeface="Arial" pitchFamily="34" charset="0"/>
+              </a:rPr>
+              <a:t> de </a:t>
+            </a:r>
+            <a:r>
+              <a:rPr lang="en-US" sz="2800" b="1" dirty="0" err="1" smtClean="0">
+                <a:latin typeface="Arial" pitchFamily="34" charset="0"/>
+                <a:cs typeface="Arial" pitchFamily="34" charset="0"/>
+              </a:rPr>
+              <a:t>capteurs</a:t>
+            </a:r>
+            <a:endParaRPr lang="en-US" sz="2800" b="1" dirty="0" smtClean="0">
+              <a:latin typeface="Arial" pitchFamily="34" charset="0"/>
+              <a:cs typeface="Arial" pitchFamily="34" charset="0"/>
+            </a:endParaRPr>
+          </a:p>
+          <a:p>
+            <a:pPr marL="342900" indent="-342900">
+              <a:buFont typeface="Arial" panose="020B0604020202020204" pitchFamily="34" charset="0"/>
+              <a:buChar char="•"/>
+            </a:pPr>
+            <a:endParaRPr lang="en-US" sz="2800" b="1" dirty="0" smtClean="0">
+              <a:latin typeface="Arial" pitchFamily="34" charset="0"/>
+              <a:cs typeface="Arial" pitchFamily="34" charset="0"/>
+            </a:endParaRPr>
+          </a:p>
+          <a:p>
+            <a:pPr marL="342900" indent="-342900">
+              <a:buFont typeface="Arial" panose="020B0604020202020204" pitchFamily="34" charset="0"/>
+              <a:buChar char="•"/>
+            </a:pPr>
+            <a:r>
+              <a:rPr lang="en-US" sz="2800" b="1" dirty="0" err="1" smtClean="0">
+                <a:latin typeface="Arial" pitchFamily="34" charset="0"/>
+                <a:cs typeface="Arial" pitchFamily="34" charset="0"/>
+              </a:rPr>
+              <a:t>Optimisation</a:t>
+            </a:r>
+            <a:r>
+              <a:rPr lang="en-US" sz="2800" b="1" dirty="0" smtClean="0">
+                <a:latin typeface="Arial" pitchFamily="34" charset="0"/>
+                <a:cs typeface="Arial" pitchFamily="34" charset="0"/>
+              </a:rPr>
+              <a:t> site</a:t>
+            </a:r>
+            <a:endParaRPr lang="en-US" sz="2800" b="1" dirty="0">
+              <a:latin typeface="Arial" pitchFamily="34" charset="0"/>
+              <a:cs typeface="Arial" pitchFamily="34" charset="0"/>
+            </a:endParaRPr>
+          </a:p>
+        </p:txBody>
+      </p:sp>
+      <p:sp>
+        <p:nvSpPr>
+          <p:cNvPr id="3" name="Title 2"/>
+          <p:cNvSpPr>
+            <a:spLocks noGrp="1"/>
+          </p:cNvSpPr>
+          <p:nvPr>
+            <p:ph type="title"/>
+          </p:nvPr>
+        </p:nvSpPr>
+        <p:spPr/>
+        <p:txBody>
+          <a:bodyPr/>
+          <a:lstStyle/>
+          <a:p>
+            <a:r>
+              <a:rPr lang="en-US" dirty="0" smtClean="0"/>
+              <a:t>Pour </a:t>
+            </a:r>
+            <a:r>
+              <a:rPr lang="en-US" dirty="0" err="1" smtClean="0"/>
+              <a:t>aller</a:t>
+            </a:r>
+            <a:r>
+              <a:rPr lang="en-US" dirty="0" smtClean="0"/>
+              <a:t> plus loin</a:t>
+            </a:r>
+            <a:endParaRPr lang="en-US" dirty="0"/>
+          </a:p>
+        </p:txBody>
+      </p:sp>
+      <p:pic>
+        <p:nvPicPr>
+          <p:cNvPr id="6" name="Picture 2" descr="RÃ©sultat de recherche d'images pour &quot;plante logo png&quot;"/>
+          <p:cNvPicPr>
+            <a:picLocks noChangeAspect="1" noChangeArrowheads="1"/>
+          </p:cNvPicPr>
+          <p:nvPr/>
+        </p:nvPicPr>
+        <p:blipFill>
+          <a:blip r:embed="rId2" cstate="print">
+            <a:extLst>
+              <a:ext uri="{28A0092B-C50C-407E-A947-70E740481C1C}">
+                <a14:useLocalDpi xmlns:a14="http://schemas.microsoft.com/office/drawing/2010/main" val="0"/>
+              </a:ext>
+            </a:extLst>
+          </a:blip>
+          <a:srcRect/>
+          <a:stretch>
+            <a:fillRect/>
+          </a:stretch>
+        </p:blipFill>
+        <p:spPr bwMode="auto">
+          <a:xfrm>
+            <a:off x="8678466" y="4662483"/>
+            <a:ext cx="441976" cy="441976"/>
+          </a:xfrm>
+          <a:prstGeom prst="rect">
+            <a:avLst/>
+          </a:prstGeom>
+          <a:noFill/>
+          <a:extLst>
+            <a:ext uri="{909E8E84-426E-40DD-AFC4-6F175D3DCCD1}">
+              <a14:hiddenFill xmlns:a14="http://schemas.microsoft.com/office/drawing/2010/main">
+                <a:solidFill>
+                  <a:srgbClr val="FFFFFF"/>
+                </a:solidFill>
+              </a14:hiddenFill>
+            </a:ext>
+          </a:extLst>
+        </p:spPr>
+      </p:pic>
+      <p:pic>
+        <p:nvPicPr>
+          <p:cNvPr id="7174" name="Picture 6" descr="RÃ©sultat de recherche d'images pour &quot;perform png&quot;"/>
+          <p:cNvPicPr>
+            <a:picLocks noChangeAspect="1" noChangeArrowheads="1"/>
+          </p:cNvPicPr>
+          <p:nvPr/>
+        </p:nvPicPr>
+        <p:blipFill>
+          <a:blip r:embed="rId3">
+            <a:extLst>
+              <a:ext uri="{28A0092B-C50C-407E-A947-70E740481C1C}">
+                <a14:useLocalDpi xmlns:a14="http://schemas.microsoft.com/office/drawing/2010/main" val="0"/>
+              </a:ext>
+            </a:extLst>
+          </a:blip>
+          <a:srcRect/>
+          <a:stretch>
+            <a:fillRect/>
+          </a:stretch>
+        </p:blipFill>
+        <p:spPr bwMode="auto">
+          <a:xfrm>
+            <a:off x="5148064" y="1419622"/>
+            <a:ext cx="2741873" cy="2741874"/>
+          </a:xfrm>
+          <a:prstGeom prst="rect">
+            <a:avLst/>
+          </a:prstGeom>
+          <a:noFill/>
+          <a:extLst>
+            <a:ext uri="{909E8E84-426E-40DD-AFC4-6F175D3DCCD1}">
+              <a14:hiddenFill xmlns:a14="http://schemas.microsoft.com/office/drawing/2010/main">
+                <a:solidFill>
+                  <a:srgbClr val="FFFFFF"/>
+                </a:solidFill>
+              </a14:hiddenFill>
+            </a:ext>
+          </a:extLst>
+        </p:spPr>
+      </p:pic>
+    </p:spTree>
+    <p:extLst>
+      <p:ext uri="{BB962C8B-B14F-4D97-AF65-F5344CB8AC3E}">
+        <p14:creationId xmlns:p14="http://schemas.microsoft.com/office/powerpoint/2010/main" val="3670026756"/>
+      </p:ext>
+    </p:extLst>
+  </p:cSld>
+  <p:clrMapOvr>
+    <a:masterClrMapping/>
+  </p:clrMapOvr>
+</p:sld>
+</file>
+
+<file path=ppt/slides/slide11.xml><?xml version="1.0" encoding="utf-8"?>
+<p:sld xmlns:a="http://schemas.openxmlformats.org/drawingml/2006/main" xmlns:r="http://schemas.openxmlformats.org/officeDocument/2006/relationships" xmlns:p="http://schemas.openxmlformats.org/presentationml/2006/main">
+  <p:cSld>
+    <p:spTree>
+      <p:nvGrpSpPr>
+        <p:cNvPr id="1" name=""/>
+        <p:cNvGrpSpPr/>
+        <p:nvPr/>
+      </p:nvGrpSpPr>
+      <p:grpSpPr>
+        <a:xfrm>
+          <a:off x="0" y="0"/>
+          <a:ext cx="0" cy="0"/>
+          <a:chOff x="0" y="0"/>
+          <a:chExt cx="0" cy="0"/>
+        </a:xfrm>
+      </p:grpSpPr>
+      <p:sp>
+        <p:nvSpPr>
+          <p:cNvPr id="2" name="Content Placeholder 1"/>
+          <p:cNvSpPr>
+            <a:spLocks noGrp="1"/>
+          </p:cNvSpPr>
+          <p:nvPr>
+            <p:ph idx="1"/>
+          </p:nvPr>
+        </p:nvSpPr>
+        <p:spPr>
+          <a:xfrm>
+            <a:off x="514689" y="1507800"/>
+            <a:ext cx="8496944" cy="2116266"/>
+          </a:xfrm>
+        </p:spPr>
+        <p:txBody>
+          <a:bodyPr/>
+          <a:lstStyle/>
+          <a:p>
+            <a:pPr marL="342900" indent="-342900">
+              <a:buFont typeface="Wingdings" panose="05000000000000000000" pitchFamily="2" charset="2"/>
+              <a:buChar char="Ø"/>
+            </a:pPr>
+            <a:r>
+              <a:rPr lang="en-US" b="1" dirty="0" err="1">
+                <a:latin typeface="Arial" pitchFamily="34" charset="0"/>
+                <a:cs typeface="Arial" pitchFamily="34" charset="0"/>
+              </a:rPr>
+              <a:t>P</a:t>
+            </a:r>
+            <a:r>
+              <a:rPr lang="en-US" b="1" dirty="0" err="1" smtClean="0">
+                <a:latin typeface="Arial" pitchFamily="34" charset="0"/>
+                <a:cs typeface="Arial" pitchFamily="34" charset="0"/>
+              </a:rPr>
+              <a:t>rojet</a:t>
+            </a:r>
+            <a:r>
+              <a:rPr lang="en-US" b="1" dirty="0" smtClean="0">
+                <a:latin typeface="Arial" pitchFamily="34" charset="0"/>
+                <a:cs typeface="Arial" pitchFamily="34" charset="0"/>
+              </a:rPr>
+              <a:t> : </a:t>
+            </a:r>
+            <a:r>
+              <a:rPr lang="fr-FR" dirty="0" smtClean="0">
+                <a:hlinkClick r:id="rId2"/>
+              </a:rPr>
+              <a:t>https</a:t>
+            </a:r>
+            <a:r>
+              <a:rPr lang="fr-FR" dirty="0">
+                <a:hlinkClick r:id="rId2"/>
+              </a:rPr>
+              <a:t>://github.com/theoDELAS/Plante_Connectee</a:t>
+            </a:r>
+            <a:endParaRPr lang="en-US" b="1" dirty="0" smtClean="0">
+              <a:latin typeface="Arial" pitchFamily="34" charset="0"/>
+              <a:cs typeface="Arial" pitchFamily="34" charset="0"/>
+            </a:endParaRPr>
+          </a:p>
+          <a:p>
+            <a:pPr marL="342900" indent="-342900">
+              <a:buFont typeface="Wingdings" panose="05000000000000000000" pitchFamily="2" charset="2"/>
+              <a:buChar char="Ø"/>
+            </a:pPr>
+            <a:endParaRPr lang="en-US" b="1" dirty="0" smtClean="0">
+              <a:latin typeface="Arial" pitchFamily="34" charset="0"/>
+              <a:cs typeface="Arial" pitchFamily="34" charset="0"/>
+            </a:endParaRPr>
+          </a:p>
+          <a:p>
+            <a:pPr marL="342900" indent="-342900">
+              <a:buFont typeface="Wingdings" panose="05000000000000000000" pitchFamily="2" charset="2"/>
+              <a:buChar char="Ø"/>
+            </a:pPr>
+            <a:r>
+              <a:rPr lang="en-US" b="1" dirty="0" smtClean="0">
+                <a:latin typeface="Arial" pitchFamily="34" charset="0"/>
+                <a:cs typeface="Arial" pitchFamily="34" charset="0"/>
+              </a:rPr>
+              <a:t>Sources images : </a:t>
+            </a:r>
+            <a:r>
+              <a:rPr lang="fr-FR" dirty="0">
+                <a:hlinkClick r:id="rId3"/>
+              </a:rPr>
+              <a:t>https://pastebin.com/WKPbvevH</a:t>
+            </a:r>
+            <a:endParaRPr lang="en-US" b="1" dirty="0">
+              <a:latin typeface="Arial" pitchFamily="34" charset="0"/>
+              <a:cs typeface="Arial" pitchFamily="34" charset="0"/>
+            </a:endParaRPr>
+          </a:p>
+        </p:txBody>
+      </p:sp>
+      <p:sp>
+        <p:nvSpPr>
+          <p:cNvPr id="3" name="Title 2"/>
+          <p:cNvSpPr>
+            <a:spLocks noGrp="1"/>
+          </p:cNvSpPr>
+          <p:nvPr>
+            <p:ph type="title"/>
+          </p:nvPr>
+        </p:nvSpPr>
+        <p:spPr/>
+        <p:txBody>
+          <a:bodyPr/>
+          <a:lstStyle/>
+          <a:p>
+            <a:r>
+              <a:rPr lang="en-US" dirty="0" smtClean="0"/>
+              <a:t>Liens annexes</a:t>
+            </a:r>
+            <a:endParaRPr lang="en-US" dirty="0"/>
+          </a:p>
+        </p:txBody>
+      </p:sp>
+      <p:pic>
+        <p:nvPicPr>
+          <p:cNvPr id="6" name="Picture 2" descr="RÃ©sultat de recherche d'images pour &quot;plante logo png&quot;"/>
+          <p:cNvPicPr>
+            <a:picLocks noChangeAspect="1" noChangeArrowheads="1"/>
+          </p:cNvPicPr>
+          <p:nvPr/>
+        </p:nvPicPr>
+        <p:blipFill>
+          <a:blip r:embed="rId4" cstate="print">
+            <a:extLst>
+              <a:ext uri="{28A0092B-C50C-407E-A947-70E740481C1C}">
+                <a14:useLocalDpi xmlns:a14="http://schemas.microsoft.com/office/drawing/2010/main" val="0"/>
+              </a:ext>
+            </a:extLst>
+          </a:blip>
+          <a:srcRect/>
+          <a:stretch>
+            <a:fillRect/>
+          </a:stretch>
+        </p:blipFill>
+        <p:spPr bwMode="auto">
+          <a:xfrm>
+            <a:off x="8678466" y="4662483"/>
+            <a:ext cx="441976" cy="441976"/>
+          </a:xfrm>
+          <a:prstGeom prst="rect">
+            <a:avLst/>
+          </a:prstGeom>
+          <a:noFill/>
+          <a:extLst>
+            <a:ext uri="{909E8E84-426E-40DD-AFC4-6F175D3DCCD1}">
+              <a14:hiddenFill xmlns:a14="http://schemas.microsoft.com/office/drawing/2010/main">
+                <a:solidFill>
+                  <a:srgbClr val="FFFFFF"/>
+                </a:solidFill>
+              </a14:hiddenFill>
+            </a:ext>
+          </a:extLst>
+        </p:spPr>
+      </p:pic>
+    </p:spTree>
+    <p:extLst>
+      <p:ext uri="{BB962C8B-B14F-4D97-AF65-F5344CB8AC3E}">
+        <p14:creationId xmlns:p14="http://schemas.microsoft.com/office/powerpoint/2010/main" val="2990842272"/>
+      </p:ext>
+    </p:extLst>
+  </p:cSld>
+  <p:clrMapOvr>
+    <a:masterClrMapping/>
+  </p:clrMapOvr>
+</p:sld>
+</file>
+
 <file path=ppt/slides/slide2.xml><?xml version="1.0" encoding="utf-8"?>
 <p:sld xmlns:a="http://schemas.openxmlformats.org/drawingml/2006/main" xmlns:r="http://schemas.openxmlformats.org/officeDocument/2006/relationships" xmlns:p="http://schemas.openxmlformats.org/presentationml/2006/main">
   <p:cSld>
@@ -4123,22 +5102,33 @@
           <a:bodyPr/>
           <a:lstStyle/>
           <a:p>
-            <a:pPr marL="285750" indent="-285750">
-              <a:buFont typeface="Arial" panose="020B0604020202020204" pitchFamily="34" charset="0"/>
-              <a:buChar char="•"/>
+            <a:pPr marL="400050" indent="-400050">
+              <a:buFont typeface="+mj-lt"/>
+              <a:buAutoNum type="romanUcPeriod"/>
             </a:pPr>
             <a:r>
               <a:rPr lang="en-US" altLang="ko-KR" dirty="0" smtClean="0">
                 <a:latin typeface="Arial" pitchFamily="34" charset="0"/>
                 <a:cs typeface="Arial" pitchFamily="34" charset="0"/>
               </a:rPr>
-              <a:t>Descriptif du projet</a:t>
-            </a:r>
-          </a:p>
-          <a:p>
-            <a:pPr marL="285750" indent="-285750">
-              <a:buFont typeface="Arial" panose="020B0604020202020204" pitchFamily="34" charset="0"/>
-              <a:buChar char="•"/>
+              <a:t>Descriptif du </a:t>
+            </a:r>
+            <a:r>
+              <a:rPr lang="en-US" altLang="ko-KR" dirty="0" err="1" smtClean="0">
+                <a:latin typeface="Arial" pitchFamily="34" charset="0"/>
+                <a:cs typeface="Arial" pitchFamily="34" charset="0"/>
+              </a:rPr>
+              <a:t>projet</a:t>
+            </a:r>
+            <a:endParaRPr lang="en-US" altLang="ko-KR" dirty="0" smtClean="0">
+              <a:latin typeface="Arial" pitchFamily="34" charset="0"/>
+              <a:cs typeface="Arial" pitchFamily="34" charset="0"/>
+            </a:endParaRPr>
+          </a:p>
+          <a:p>
+            <a:pPr marL="400050" indent="-400050">
+              <a:buFont typeface="+mj-lt"/>
+              <a:buAutoNum type="romanUcPeriod"/>
             </a:pPr>
             <a:endParaRPr lang="en-US" altLang="ko-KR" dirty="0">
               <a:latin typeface="Arial" pitchFamily="34" charset="0"/>
@@ -4146,9 +5136,9 @@
             </a:endParaRPr>
           </a:p>
           <a:p>
-            <a:pPr marL="285750" indent="-285750">
-              <a:buFont typeface="Arial" panose="020B0604020202020204" pitchFamily="34" charset="0"/>
-              <a:buChar char="•"/>
+            <a:pPr marL="400050" indent="-400050">
+              <a:buFont typeface="+mj-lt"/>
+              <a:buAutoNum type="romanUcPeriod"/>
             </a:pPr>
             <a:r>
               <a:rPr lang="en-US" altLang="ko-KR" dirty="0">
@@ -4159,9 +5149,9 @@
             </a:r>
           </a:p>
           <a:p>
-            <a:pPr>
-              <a:buFont typeface="Wingdings" pitchFamily="2" charset="2"/>
-              <a:buChar char="ü"/>
+            <a:pPr marL="400050" indent="-400050">
+              <a:buFont typeface="+mj-lt"/>
+              <a:buAutoNum type="romanUcPeriod"/>
             </a:pPr>
             <a:endParaRPr lang="en-US" altLang="ko-KR" dirty="0">
               <a:latin typeface="Arial" pitchFamily="34" charset="0"/>
@@ -4169,9 +5159,9 @@
             </a:endParaRPr>
           </a:p>
           <a:p>
-            <a:pPr marL="285750" indent="-285750">
-              <a:buFont typeface="Arial" panose="020B0604020202020204" pitchFamily="34" charset="0"/>
-              <a:buChar char="•"/>
+            <a:pPr marL="400050" indent="-400050">
+              <a:buFont typeface="+mj-lt"/>
+              <a:buAutoNum type="romanUcPeriod"/>
             </a:pPr>
             <a:r>
               <a:rPr lang="en-US" altLang="ko-KR" dirty="0">
@@ -4181,24 +5171,17 @@
               <a:t>Choix des technologies : </a:t>
             </a:r>
             <a:r>
-              <a:rPr lang="fr-FR" altLang="ko-KR" dirty="0">
+              <a:rPr lang="fr-FR" altLang="ko-KR" dirty="0" smtClean="0">
                 <a:latin typeface="Arial" pitchFamily="34" charset="0"/>
                 <a:cs typeface="Arial" pitchFamily="34" charset="0"/>
               </a:rPr>
               <a:t>Matériels</a:t>
             </a:r>
-            <a:r>
-              <a:rPr lang="en-US" altLang="ko-KR" dirty="0">
-                <a:latin typeface="Arial" pitchFamily="34" charset="0"/>
-                <a:cs typeface="Arial" pitchFamily="34" charset="0"/>
-              </a:rPr>
-              <a:t> et langage de programmation</a:t>
-            </a:r>
-          </a:p>
-          <a:p>
-            <a:pPr marL="285750" indent="-285750">
-              <a:buFont typeface="Arial" panose="020B0604020202020204" pitchFamily="34" charset="0"/>
-              <a:buChar char="•"/>
+          </a:p>
+          <a:p>
+            <a:pPr marL="400050" indent="-400050">
+              <a:buFont typeface="+mj-lt"/>
+              <a:buAutoNum type="romanUcPeriod"/>
             </a:pPr>
             <a:endParaRPr lang="en-US" altLang="ko-KR" dirty="0" smtClean="0">
               <a:latin typeface="Arial" pitchFamily="34" charset="0"/>
@@ -4206,16 +5189,60 @@
             </a:endParaRPr>
           </a:p>
           <a:p>
-            <a:pPr marL="285750" indent="-285750">
-              <a:buFont typeface="Arial" panose="020B0604020202020204" pitchFamily="34" charset="0"/>
-              <a:buChar char="•"/>
+            <a:pPr marL="400050" indent="-400050">
+              <a:buFont typeface="+mj-lt"/>
+              <a:buAutoNum type="romanUcPeriod"/>
             </a:pPr>
+            <a:r>
+              <a:rPr lang="en-US" altLang="ko-KR" dirty="0" err="1" smtClean="0">
+                <a:latin typeface="Arial" pitchFamily="34" charset="0"/>
+                <a:cs typeface="Arial" pitchFamily="34" charset="0"/>
+              </a:rPr>
+              <a:t>Côté</a:t>
+            </a:r>
             <a:r>
               <a:rPr lang="en-US" altLang="ko-KR" dirty="0" smtClean="0">
                 <a:latin typeface="Arial" pitchFamily="34" charset="0"/>
                 <a:cs typeface="Arial" pitchFamily="34" charset="0"/>
               </a:rPr>
-              <a:t>Côté programmation : IOT en python, BDD en MySQL, le site en PHP et HTML5/CSS3</a:t>
+              <a:t> </a:t>
+            </a:r>
+            <a:r>
+              <a:rPr lang="en-US" altLang="ko-KR" dirty="0" err="1" smtClean="0">
+                <a:latin typeface="Arial" pitchFamily="34" charset="0"/>
+                <a:cs typeface="Arial" pitchFamily="34" charset="0"/>
+              </a:rPr>
+              <a:t>programmation</a:t>
+            </a:r>
+            <a:r>
+              <a:rPr lang="en-US" altLang="ko-KR" dirty="0" smtClean="0">
+                <a:latin typeface="Arial" pitchFamily="34" charset="0"/>
+                <a:cs typeface="Arial" pitchFamily="34" charset="0"/>
+              </a:rPr>
+              <a:t> : IOT / BDD / le site</a:t>
+            </a:r>
+          </a:p>
+          <a:p>
+            <a:pPr marL="400050" indent="-400050">
+              <a:buFont typeface="+mj-lt"/>
+              <a:buAutoNum type="romanUcPeriod"/>
+            </a:pPr>
+            <a:endParaRPr lang="en-US" altLang="ko-KR" dirty="0">
+              <a:latin typeface="Arial" pitchFamily="34" charset="0"/>
+              <a:cs typeface="Arial" pitchFamily="34" charset="0"/>
+            </a:endParaRPr>
+          </a:p>
+          <a:p>
+            <a:pPr marL="400050" indent="-400050">
+              <a:buFont typeface="+mj-lt"/>
+              <a:buAutoNum type="romanUcPeriod"/>
+            </a:pPr>
+            <a:r>
+              <a:rPr lang="en-US" altLang="ko-KR" dirty="0" err="1" smtClean="0">
+                <a:latin typeface="Arial" pitchFamily="34" charset="0"/>
+                <a:cs typeface="Arial" pitchFamily="34" charset="0"/>
+              </a:rPr>
+              <a:t>Démonstration</a:t>
             </a:r>
             <a:endParaRPr lang="en-US" altLang="ko-KR" dirty="0" smtClean="0">
               <a:latin typeface="Arial" pitchFamily="34" charset="0"/>
@@ -4223,9 +5250,9 @@
             </a:endParaRPr>
           </a:p>
           <a:p>
-            <a:pPr marL="285750" indent="-285750">
-              <a:buFont typeface="Arial" panose="020B0604020202020204" pitchFamily="34" charset="0"/>
-              <a:buChar char="•"/>
+            <a:pPr marL="400050" indent="-400050">
+              <a:buFont typeface="+mj-lt"/>
+              <a:buAutoNum type="romanUcPeriod"/>
             </a:pPr>
             <a:endParaRPr lang="en-US" altLang="ko-KR" dirty="0" smtClean="0">
               <a:latin typeface="Arial" pitchFamily="34" charset="0"/>
@@ -4233,9 +5260,9 @@
             </a:endParaRPr>
           </a:p>
           <a:p>
-            <a:pPr marL="285750" indent="-285750">
-              <a:buFont typeface="Arial" panose="020B0604020202020204" pitchFamily="34" charset="0"/>
-              <a:buChar char="•"/>
+            <a:pPr marL="400050" indent="-400050">
+              <a:buFont typeface="+mj-lt"/>
+              <a:buAutoNum type="romanUcPeriod"/>
             </a:pPr>
             <a:r>
               <a:rPr lang="en-US" altLang="ko-KR" dirty="0" smtClean="0">
@@ -4244,6 +5271,37 @@
               </a:rPr>
               <a:t>Pour aller plus loin </a:t>
             </a:r>
+            <a:endParaRPr lang="en-US" altLang="ko-KR" dirty="0" smtClean="0">
+              <a:latin typeface="Arial" pitchFamily="34" charset="0"/>
+              <a:cs typeface="Arial" pitchFamily="34" charset="0"/>
+            </a:endParaRPr>
+          </a:p>
+          <a:p>
+            <a:pPr marL="400050" indent="-400050">
+              <a:buFont typeface="+mj-lt"/>
+              <a:buAutoNum type="romanUcPeriod"/>
+            </a:pPr>
+            <a:endParaRPr lang="en-US" altLang="ko-KR" dirty="0">
+              <a:latin typeface="Arial" pitchFamily="34" charset="0"/>
+              <a:cs typeface="Arial" pitchFamily="34" charset="0"/>
+            </a:endParaRPr>
+          </a:p>
+          <a:p>
+            <a:pPr marL="400050" indent="-400050">
+              <a:buFont typeface="+mj-lt"/>
+              <a:buAutoNum type="romanUcPeriod"/>
+            </a:pPr>
+            <a:r>
+              <a:rPr lang="en-US" altLang="ko-KR" dirty="0" smtClean="0">
+                <a:latin typeface="Arial" pitchFamily="34" charset="0"/>
+                <a:cs typeface="Arial" pitchFamily="34" charset="0"/>
+              </a:rPr>
+              <a:t>Liens annexes</a:t>
+            </a:r>
+            <a:endParaRPr lang="en-US" altLang="ko-KR" dirty="0" smtClean="0">
+              <a:latin typeface="Arial" pitchFamily="34" charset="0"/>
+              <a:cs typeface="Arial" pitchFamily="34" charset="0"/>
+            </a:endParaRPr>
           </a:p>
           <a:p>
             <a:pPr marL="285750" indent="-285750">
@@ -4384,7 +5442,7 @@
                 <a:latin typeface="Arial" pitchFamily="34" charset="0"/>
                 <a:cs typeface="Arial" pitchFamily="34" charset="0"/>
               </a:rPr>
-              <a:t>Object </a:t>
+              <a:t>Objet </a:t>
             </a:r>
             <a:r>
               <a:rPr lang="en-US" b="1" dirty="0" err="1" smtClean="0">
@@ -4398,7 +5456,21 @@
                 <a:latin typeface="Arial" pitchFamily="34" charset="0"/>
                 <a:cs typeface="Arial" pitchFamily="34" charset="0"/>
               </a:rPr>
-              <a:t> de </a:t>
+              <a:t> </a:t>
+            </a:r>
+            <a:r>
+              <a:rPr lang="en-US" b="1" dirty="0" smtClean="0">
+                <a:latin typeface="Arial" pitchFamily="34" charset="0"/>
+                <a:cs typeface="Arial" pitchFamily="34" charset="0"/>
+              </a:rPr>
+              <a:t>pour</a:t>
+            </a:r>
+            <a:r>
+              <a:rPr lang="en-US" b="1" dirty="0" smtClean="0">
+                <a:latin typeface="Arial" pitchFamily="34" charset="0"/>
+                <a:cs typeface="Arial" pitchFamily="34" charset="0"/>
+              </a:rPr>
+              <a:t> </a:t>
             </a:r>
             <a:r>
               <a:rPr lang="en-US" b="1" dirty="0" err="1" smtClean="0">
@@ -4407,66 +5479,52 @@
               </a:rPr>
               <a:t>plantes</a:t>
             </a:r>
-            <a:r>
-              <a:rPr lang="en-US" b="1" dirty="0" smtClean="0">
+            <a:endParaRPr lang="en-US" b="1" dirty="0">
+              <a:latin typeface="Arial" pitchFamily="34" charset="0"/>
+              <a:cs typeface="Arial" pitchFamily="34" charset="0"/>
+            </a:endParaRPr>
+          </a:p>
+        </p:txBody>
+      </p:sp>
+      <p:sp>
+        <p:nvSpPr>
+          <p:cNvPr id="5" name="Content Placeholder 4"/>
+          <p:cNvSpPr>
+            <a:spLocks noGrp="1"/>
+          </p:cNvSpPr>
+          <p:nvPr>
+            <p:ph idx="10"/>
+          </p:nvPr>
+        </p:nvSpPr>
+        <p:spPr/>
+        <p:txBody>
+          <a:bodyPr/>
+          <a:lstStyle/>
+          <a:p>
+            <a:pPr marL="285750" indent="-285750">
+              <a:buFont typeface="Wingdings" panose="05000000000000000000" pitchFamily="2" charset="2"/>
+              <a:buChar char="§"/>
+            </a:pPr>
+            <a:r>
+              <a:rPr lang="en-US" altLang="ko-KR" dirty="0" err="1" smtClean="0">
+                <a:latin typeface="Arial" pitchFamily="34" charset="0"/>
+                <a:cs typeface="Arial" pitchFamily="34" charset="0"/>
+              </a:rPr>
+              <a:t>Utilisateur</a:t>
+            </a:r>
+            <a:r>
+              <a:rPr lang="en-US" altLang="ko-KR" dirty="0" smtClean="0">
                 <a:latin typeface="Arial" pitchFamily="34" charset="0"/>
                 <a:cs typeface="Arial" pitchFamily="34" charset="0"/>
               </a:rPr>
               <a:t> </a:t>
             </a:r>
             <a:r>
-              <a:rPr lang="en-US" b="1" dirty="0" err="1" smtClean="0">
-                <a:latin typeface="Arial" pitchFamily="34" charset="0"/>
-                <a:cs typeface="Arial" pitchFamily="34" charset="0"/>
-              </a:rPr>
-              <a:t>connectées</a:t>
-            </a:r>
-            <a:endParaRPr lang="en-US" b="1" dirty="0">
-              <a:latin typeface="Arial" pitchFamily="34" charset="0"/>
-              <a:cs typeface="Arial" pitchFamily="34" charset="0"/>
-            </a:endParaRPr>
-          </a:p>
-        </p:txBody>
-      </p:sp>
-      <p:sp>
-        <p:nvSpPr>
-          <p:cNvPr id="5" name="Content Placeholder 4"/>
-          <p:cNvSpPr>
-            <a:spLocks noGrp="1"/>
-          </p:cNvSpPr>
-          <p:nvPr>
-            <p:ph idx="10"/>
-          </p:nvPr>
-        </p:nvSpPr>
-        <p:spPr/>
-        <p:txBody>
-          <a:bodyPr/>
-          <a:lstStyle/>
-          <a:p>
-            <a:pPr marL="285750" indent="-285750">
-              <a:buFont typeface="Wingdings" panose="05000000000000000000" pitchFamily="2" charset="2"/>
-              <a:buChar char="§"/>
-            </a:pPr>
-            <a:r>
               <a:rPr lang="en-US" altLang="ko-KR" dirty="0" smtClean="0">
                 <a:latin typeface="Arial" pitchFamily="34" charset="0"/>
                 <a:cs typeface="Arial" pitchFamily="34" charset="0"/>
               </a:rPr>
-              <a:t>Pour un </a:t>
-            </a:r>
-            <a:r>
-              <a:rPr lang="en-US" altLang="ko-KR" dirty="0" err="1" smtClean="0">
-                <a:latin typeface="Arial" pitchFamily="34" charset="0"/>
-                <a:cs typeface="Arial" pitchFamily="34" charset="0"/>
-              </a:rPr>
-              <a:t>utilisateur</a:t>
-            </a:r>
-            <a:r>
-              <a:rPr lang="en-US" altLang="ko-KR" dirty="0" smtClean="0">
-                <a:latin typeface="Arial" pitchFamily="34" charset="0"/>
-                <a:cs typeface="Arial" pitchFamily="34" charset="0"/>
-              </a:rPr>
-              <a:t> lambda</a:t>
+              <a:t>lambda</a:t>
             </a:r>
           </a:p>
           <a:p>
@@ -4485,46 +5543,11 @@
               <a:buChar char="§"/>
             </a:pPr>
             <a:r>
-              <a:rPr lang="en-US" altLang="ko-KR" dirty="0" err="1" smtClean="0">
-                <a:latin typeface="Arial" pitchFamily="34" charset="0"/>
-                <a:cs typeface="Arial" pitchFamily="34" charset="0"/>
-              </a:rPr>
-              <a:t>Avoir</a:t>
-            </a:r>
-            <a:r>
               <a:rPr lang="en-US" altLang="ko-KR" dirty="0" smtClean="0">
                 <a:latin typeface="Arial" pitchFamily="34" charset="0"/>
                 <a:cs typeface="Arial" pitchFamily="34" charset="0"/>
               </a:rPr>
-              <a:t> </a:t>
-            </a:r>
-            <a:r>
-              <a:rPr lang="en-US" altLang="ko-KR" dirty="0" err="1" smtClean="0">
-                <a:latin typeface="Arial" pitchFamily="34" charset="0"/>
-                <a:cs typeface="Arial" pitchFamily="34" charset="0"/>
-              </a:rPr>
-              <a:t>une</a:t>
-            </a:r>
-            <a:r>
-              <a:rPr lang="en-US" altLang="ko-KR" dirty="0" smtClean="0">
-                <a:latin typeface="Arial" pitchFamily="34" charset="0"/>
-                <a:cs typeface="Arial" pitchFamily="34" charset="0"/>
-              </a:rPr>
-              <a:t> base de </a:t>
-            </a:r>
-            <a:r>
-              <a:rPr lang="en-US" altLang="ko-KR" dirty="0" err="1" smtClean="0">
-                <a:latin typeface="Arial" pitchFamily="34" charset="0"/>
-                <a:cs typeface="Arial" pitchFamily="34" charset="0"/>
-              </a:rPr>
-              <a:t>données</a:t>
-            </a:r>
-            <a:r>
-              <a:rPr lang="en-US" altLang="ko-KR" dirty="0" smtClean="0">
-                <a:latin typeface="Arial" pitchFamily="34" charset="0"/>
-                <a:cs typeface="Arial" pitchFamily="34" charset="0"/>
-              </a:rPr>
-              <a:t> de 30 </a:t>
+              <a:t>BDD extensible : 30 </a:t>
             </a:r>
             <a:r>
               <a:rPr lang="en-US" altLang="ko-KR" dirty="0" err="1" smtClean="0">
@@ -4538,50 +5561,12 @@
                 <a:latin typeface="Arial" pitchFamily="34" charset="0"/>
                 <a:cs typeface="Arial" pitchFamily="34" charset="0"/>
               </a:rPr>
-              <a:t> minimum que </a:t>
-            </a:r>
-            <a:r>
-              <a:rPr lang="en-US" altLang="ko-KR" dirty="0" err="1" smtClean="0">
-                <a:latin typeface="Arial" pitchFamily="34" charset="0"/>
-                <a:cs typeface="Arial" pitchFamily="34" charset="0"/>
-              </a:rPr>
-              <a:t>l’utilisateur</a:t>
-            </a:r>
-            <a:r>
-              <a:rPr lang="en-US" altLang="ko-KR" dirty="0" smtClean="0">
-                <a:latin typeface="Arial" pitchFamily="34" charset="0"/>
-                <a:cs typeface="Arial" pitchFamily="34" charset="0"/>
-              </a:rPr>
-              <a:t> </a:t>
-            </a:r>
-            <a:r>
-              <a:rPr lang="en-US" altLang="ko-KR" dirty="0" err="1" smtClean="0">
-                <a:latin typeface="Arial" pitchFamily="34" charset="0"/>
-                <a:cs typeface="Arial" pitchFamily="34" charset="0"/>
-              </a:rPr>
-              <a:t>peut</a:t>
-            </a:r>
-            <a:r>
-              <a:rPr lang="en-US" altLang="ko-KR" dirty="0" smtClean="0">
-                <a:latin typeface="Arial" pitchFamily="34" charset="0"/>
-                <a:cs typeface="Arial" pitchFamily="34" charset="0"/>
-              </a:rPr>
-              <a:t> </a:t>
-            </a:r>
-            <a:r>
-              <a:rPr lang="en-US" altLang="ko-KR" dirty="0" err="1" smtClean="0">
-                <a:latin typeface="Arial" pitchFamily="34" charset="0"/>
-                <a:cs typeface="Arial" pitchFamily="34" charset="0"/>
-              </a:rPr>
-              <a:t>étendre</a:t>
-            </a:r>
-            <a:r>
-              <a:rPr lang="en-US" altLang="ko-KR" dirty="0" smtClean="0">
-                <a:latin typeface="Arial" pitchFamily="34" charset="0"/>
-                <a:cs typeface="Arial" pitchFamily="34" charset="0"/>
-              </a:rPr>
-              <a:t> </a:t>
-            </a:r>
+              <a:t> minimum </a:t>
+            </a:r>
+            <a:endParaRPr lang="en-US" altLang="ko-KR" dirty="0" smtClean="0">
+              <a:latin typeface="Arial" pitchFamily="34" charset="0"/>
+              <a:cs typeface="Arial" pitchFamily="34" charset="0"/>
+            </a:endParaRPr>
           </a:p>
           <a:p>
             <a:pPr marL="285750" indent="-285750">
@@ -4599,53 +5584,39 @@
               <a:buChar char="§"/>
             </a:pPr>
             <a:r>
+              <a:rPr lang="en-US" altLang="ko-KR" dirty="0" err="1" smtClean="0">
+                <a:latin typeface="Arial" pitchFamily="34" charset="0"/>
+                <a:cs typeface="Arial" pitchFamily="34" charset="0"/>
+              </a:rPr>
+              <a:t>Capter</a:t>
+            </a:r>
+            <a:r>
               <a:rPr lang="en-US" altLang="ko-KR" dirty="0" smtClean="0">
                 <a:latin typeface="Arial" pitchFamily="34" charset="0"/>
                 <a:cs typeface="Arial" pitchFamily="34" charset="0"/>
               </a:rPr>
-              <a:t>Un objet </a:t>
+              <a:t> : </a:t>
             </a:r>
             <a:r>
               <a:rPr lang="en-US" altLang="ko-KR" dirty="0" err="1" smtClean="0">
                 <a:latin typeface="Arial" pitchFamily="34" charset="0"/>
                 <a:cs typeface="Arial" pitchFamily="34" charset="0"/>
               </a:rPr>
-              <a:t>connecté</a:t>
+              <a:t>humidité</a:t>
+            </a:r>
+            <a:r>
+              <a:rPr lang="en-US" altLang="ko-KR" dirty="0">
+                <a:latin typeface="Arial" pitchFamily="34" charset="0"/>
+                <a:cs typeface="Arial" pitchFamily="34" charset="0"/>
+              </a:rPr>
+              <a:t> </a:t>
             </a:r>
             <a:r>
               <a:rPr lang="en-US" altLang="ko-KR" dirty="0" smtClean="0">
                 <a:latin typeface="Arial" pitchFamily="34" charset="0"/>
                 <a:cs typeface="Arial" pitchFamily="34" charset="0"/>
               </a:rPr>
-              <a:t> </a:t>
-            </a:r>
-            <a:r>
-              <a:rPr lang="en-US" altLang="ko-KR" dirty="0" err="1" smtClean="0">
-                <a:latin typeface="Arial" pitchFamily="34" charset="0"/>
-                <a:cs typeface="Arial" pitchFamily="34" charset="0"/>
-              </a:rPr>
-              <a:t>captant</a:t>
-            </a:r>
-            <a:r>
-              <a:rPr lang="en-US" altLang="ko-KR" dirty="0" smtClean="0">
-                <a:latin typeface="Arial" pitchFamily="34" charset="0"/>
-                <a:cs typeface="Arial" pitchFamily="34" charset="0"/>
-              </a:rPr>
-              <a:t> </a:t>
-            </a:r>
-            <a:r>
-              <a:rPr lang="en-US" altLang="ko-KR" dirty="0" err="1" smtClean="0">
-                <a:latin typeface="Arial" pitchFamily="34" charset="0"/>
-                <a:cs typeface="Arial" pitchFamily="34" charset="0"/>
-              </a:rPr>
-              <a:t>l’humidité</a:t>
-            </a:r>
-            <a:r>
-              <a:rPr lang="en-US" altLang="ko-KR" dirty="0" smtClean="0">
-                <a:latin typeface="Arial" pitchFamily="34" charset="0"/>
-                <a:cs typeface="Arial" pitchFamily="34" charset="0"/>
-              </a:rPr>
-              <a:t>, la </a:t>
+              <a:t>/ </a:t>
             </a:r>
             <a:r>
               <a:rPr lang="en-US" altLang="ko-KR" dirty="0" err="1" smtClean="0">
@@ -4659,7 +5630,7 @@
                 <a:latin typeface="Arial" pitchFamily="34" charset="0"/>
                 <a:cs typeface="Arial" pitchFamily="34" charset="0"/>
               </a:rPr>
-              <a:t> et la </a:t>
+              <a:t> / </a:t>
             </a:r>
             <a:r>
               <a:rPr lang="en-US" altLang="ko-KR" dirty="0" err="1" smtClean="0">
@@ -4673,21 +5644,7 @@
                 <a:latin typeface="Arial" pitchFamily="34" charset="0"/>
                 <a:cs typeface="Arial" pitchFamily="34" charset="0"/>
               </a:rPr>
-              <a:t>, </a:t>
-            </a:r>
-            <a:r>
-              <a:rPr lang="en-US" altLang="ko-KR" dirty="0" err="1" smtClean="0">
-                <a:latin typeface="Arial" pitchFamily="34" charset="0"/>
-                <a:cs typeface="Arial" pitchFamily="34" charset="0"/>
-              </a:rPr>
-              <a:t>envoyant</a:t>
-            </a:r>
-            <a:r>
-              <a:rPr lang="en-US" altLang="ko-KR" dirty="0" smtClean="0">
-                <a:latin typeface="Arial" pitchFamily="34" charset="0"/>
-                <a:cs typeface="Arial" pitchFamily="34" charset="0"/>
-              </a:rPr>
-              <a:t> les </a:t>
+              <a:t> + envoi de </a:t>
             </a:r>
             <a:r>
               <a:rPr lang="en-US" altLang="ko-KR" dirty="0" err="1" smtClean="0">
@@ -4710,26 +5667,42 @@
               </a:rPr>
               <a:t>historique</a:t>
             </a:r>
+            <a:endParaRPr lang="en-US" altLang="ko-KR" dirty="0" smtClean="0">
+              <a:latin typeface="Arial" pitchFamily="34" charset="0"/>
+              <a:cs typeface="Arial" pitchFamily="34" charset="0"/>
+            </a:endParaRPr>
+          </a:p>
+          <a:p>
+            <a:endParaRPr lang="en-US" altLang="ko-KR" dirty="0">
+              <a:latin typeface="Arial" pitchFamily="34" charset="0"/>
+              <a:cs typeface="Arial" pitchFamily="34" charset="0"/>
+            </a:endParaRPr>
+          </a:p>
+          <a:p>
+            <a:pPr marL="285750" indent="-285750">
+              <a:buFont typeface="Wingdings" panose="05000000000000000000" pitchFamily="2" charset="2"/>
+              <a:buChar char="§"/>
+            </a:pPr>
+            <a:r>
+              <a:rPr lang="en-US" altLang="ko-KR" dirty="0" err="1" smtClean="0">
+                <a:latin typeface="Arial" pitchFamily="34" charset="0"/>
+                <a:cs typeface="Arial" pitchFamily="34" charset="0"/>
+              </a:rPr>
+              <a:t>Contrôle</a:t>
+            </a:r>
             <a:r>
               <a:rPr lang="en-US" altLang="ko-KR" dirty="0" smtClean="0">
                 <a:latin typeface="Arial" pitchFamily="34" charset="0"/>
                 <a:cs typeface="Arial" pitchFamily="34" charset="0"/>
               </a:rPr>
-              <a:t> à la base de </a:t>
+              <a:t> des </a:t>
             </a:r>
             <a:r>
               <a:rPr lang="en-US" altLang="ko-KR" dirty="0" err="1" smtClean="0">
                 <a:latin typeface="Arial" pitchFamily="34" charset="0"/>
                 <a:cs typeface="Arial" pitchFamily="34" charset="0"/>
               </a:rPr>
-              <a:t>donnée</a:t>
-            </a:r>
-            <a:r>
-              <a:rPr lang="en-US" altLang="ko-KR" smtClean="0">
-                <a:latin typeface="Arial" pitchFamily="34" charset="0"/>
-                <a:cs typeface="Arial" pitchFamily="34" charset="0"/>
-              </a:rPr>
-              <a:t>.</a:t>
+              <a:t>données</a:t>
             </a:r>
             <a:endParaRPr lang="en-US" altLang="ko-KR" dirty="0" smtClean="0">
               <a:latin typeface="Arial" pitchFamily="34" charset="0"/>
@@ -4776,32 +5749,129 @@
               <a:cs typeface="Arial" pitchFamily="34" charset="0"/>
             </a:endParaRPr>
           </a:p>
-          <a:p>
-            <a:endParaRPr lang="en-US" altLang="ko-KR" dirty="0">
+        </p:txBody>
+      </p:sp>
+      <p:sp>
+        <p:nvSpPr>
+          <p:cNvPr id="3" name="Title 2"/>
+          <p:cNvSpPr>
+            <a:spLocks noGrp="1"/>
+          </p:cNvSpPr>
+          <p:nvPr>
+            <p:ph type="title"/>
+          </p:nvPr>
+        </p:nvSpPr>
+        <p:spPr/>
+        <p:txBody>
+          <a:bodyPr/>
+          <a:lstStyle/>
+          <a:p>
+            <a:r>
+              <a:rPr lang="en-US" dirty="0" smtClean="0"/>
+              <a:t>Descriptif du projet</a:t>
+            </a:r>
+            <a:endParaRPr lang="en-US" dirty="0"/>
+          </a:p>
+        </p:txBody>
+      </p:sp>
+      <p:pic>
+        <p:nvPicPr>
+          <p:cNvPr id="6" name="Picture 2" descr="RÃ©sultat de recherche d'images pour &quot;plante logo png&quot;"/>
+          <p:cNvPicPr>
+            <a:picLocks noChangeAspect="1" noChangeArrowheads="1"/>
+          </p:cNvPicPr>
+          <p:nvPr/>
+        </p:nvPicPr>
+        <p:blipFill>
+          <a:blip r:embed="rId3" cstate="print">
+            <a:extLst>
+              <a:ext uri="{28A0092B-C50C-407E-A947-70E740481C1C}">
+                <a14:useLocalDpi xmlns:a14="http://schemas.microsoft.com/office/drawing/2010/main" val="0"/>
+              </a:ext>
+            </a:extLst>
+          </a:blip>
+          <a:srcRect/>
+          <a:stretch>
+            <a:fillRect/>
+          </a:stretch>
+        </p:blipFill>
+        <p:spPr bwMode="auto">
+          <a:xfrm>
+            <a:off x="8678466" y="4662483"/>
+            <a:ext cx="441976" cy="441976"/>
+          </a:xfrm>
+          <a:prstGeom prst="rect">
+            <a:avLst/>
+          </a:prstGeom>
+          <a:noFill/>
+          <a:extLst>
+            <a:ext uri="{909E8E84-426E-40DD-AFC4-6F175D3DCCD1}">
+              <a14:hiddenFill xmlns:a14="http://schemas.microsoft.com/office/drawing/2010/main">
+                <a:solidFill>
+                  <a:srgbClr val="FFFFFF"/>
+                </a:solidFill>
+              </a14:hiddenFill>
+            </a:ext>
+          </a:extLst>
+        </p:spPr>
+      </p:pic>
+    </p:spTree>
+    <p:extLst>
+      <p:ext uri="{BB962C8B-B14F-4D97-AF65-F5344CB8AC3E}">
+        <p14:creationId xmlns:p14="http://schemas.microsoft.com/office/powerpoint/2010/main" val="2090594489"/>
+      </p:ext>
+    </p:extLst>
+  </p:cSld>
+  <p:clrMapOvr>
+    <a:masterClrMapping/>
+  </p:clrMapOvr>
+</p:sld>
+</file>
+
+<file path=ppt/slides/slide4.xml><?xml version="1.0" encoding="utf-8"?>
+<p:sld xmlns:a="http://schemas.openxmlformats.org/drawingml/2006/main" xmlns:r="http://schemas.openxmlformats.org/officeDocument/2006/relationships" xmlns:p="http://schemas.openxmlformats.org/presentationml/2006/main">
+  <p:cSld>
+    <p:spTree>
+      <p:nvGrpSpPr>
+        <p:cNvPr id="1" name=""/>
+        <p:cNvGrpSpPr/>
+        <p:nvPr/>
+      </p:nvGrpSpPr>
+      <p:grpSpPr>
+        <a:xfrm>
+          <a:off x="0" y="0"/>
+          <a:ext cx="0" cy="0"/>
+          <a:chOff x="0" y="0"/>
+          <a:chExt cx="0" cy="0"/>
+        </a:xfrm>
+      </p:grpSpPr>
+      <p:sp>
+        <p:nvSpPr>
+          <p:cNvPr id="2" name="Content Placeholder 1"/>
+          <p:cNvSpPr>
+            <a:spLocks noGrp="1"/>
+          </p:cNvSpPr>
+          <p:nvPr>
+            <p:ph idx="1"/>
+          </p:nvPr>
+        </p:nvSpPr>
+        <p:spPr/>
+        <p:txBody>
+          <a:bodyPr/>
+          <a:lstStyle/>
+          <a:p>
+            <a:r>
+              <a:rPr lang="en-US" b="1" dirty="0" smtClean="0">
+                <a:latin typeface="Arial" pitchFamily="34" charset="0"/>
+                <a:cs typeface="Arial" pitchFamily="34" charset="0"/>
+              </a:rPr>
+              <a:t>Le Gantt</a:t>
+            </a:r>
+            <a:endParaRPr lang="en-US" b="1" dirty="0">
               <a:latin typeface="Arial" pitchFamily="34" charset="0"/>
               <a:cs typeface="Arial" pitchFamily="34" charset="0"/>
             </a:endParaRPr>
           </a:p>
-          <a:p>
-            <a:r>
-              <a:rPr lang="en-US" altLang="ko-KR" dirty="0">
-                <a:latin typeface="Arial" pitchFamily="34" charset="0"/>
-                <a:cs typeface="Arial" pitchFamily="34" charset="0"/>
-              </a:rPr>
-              <a:t>This PowerPoint Template has clean and neutral design that can be adapted to any content and meets various market segments. With this many slides you are able to make a complete PowerPoint Presentation that best suit your needs</a:t>
-            </a:r>
-            <a:r>
-              <a:rPr lang="en-US" altLang="ko-KR" dirty="0" smtClean="0">
-                <a:latin typeface="Arial" pitchFamily="34" charset="0"/>
-                <a:cs typeface="Arial" pitchFamily="34" charset="0"/>
-              </a:rPr>
-              <a:t>.</a:t>
-            </a:r>
-            <a:endParaRPr lang="ko-KR" altLang="en-US" dirty="0">
-              <a:latin typeface="Arial" pitchFamily="34" charset="0"/>
-              <a:cs typeface="Arial" pitchFamily="34" charset="0"/>
-            </a:endParaRPr>
-          </a:p>
         </p:txBody>
       </p:sp>
       <p:sp>
@@ -4820,8 +5890,12 @@
           <a:lstStyle/>
           <a:p>
             <a:r>
+              <a:rPr lang="en-US" dirty="0" err="1" smtClean="0"/>
+              <a:t>Gestion</a:t>
+            </a:r>
+            <a:r>
               <a:rPr lang="en-US" dirty="0" smtClean="0"/>
-              <a:t>Descriptif du projet</a:t>
+              <a:t> du temps</a:t>
             </a:r>
             <a:endParaRPr lang="en-US" dirty="0"/>
           </a:p>
@@ -4868,10 +5942,1447 @@
           </a:extLst>
         </p:spPr>
       </p:pic>
+      <p:pic>
+        <p:nvPicPr>
+          <p:cNvPr id="4" name="Image 3"/>
+          <p:cNvPicPr>
+            <a:picLocks noChangeAspect="1"/>
+          </p:cNvPicPr>
+          <p:nvPr/>
+        </p:nvPicPr>
+        <p:blipFill>
+          <a:blip r:embed="rId3">
+            <a:extLst>
+              <a:ext uri="{28A0092B-C50C-407E-A947-70E740481C1C}">
+                <a14:useLocalDpi xmlns:a14="http://schemas.microsoft.com/office/drawing/2010/main" val="0"/>
+              </a:ext>
+            </a:extLst>
+          </a:blip>
+          <a:stretch>
+            <a:fillRect/>
+          </a:stretch>
+        </p:blipFill>
+        <p:spPr>
+          <a:xfrm>
+            <a:off x="351075" y="1783553"/>
+            <a:ext cx="8441849" cy="2706659"/>
+          </a:xfrm>
+          <a:prstGeom prst="rect">
+            <a:avLst/>
+          </a:prstGeom>
+        </p:spPr>
+      </p:pic>
     </p:spTree>
     <p:extLst>
       <p:ext uri="{BB962C8B-B14F-4D97-AF65-F5344CB8AC3E}">
-        <p14:creationId xmlns:p14="http://schemas.microsoft.com/office/powerpoint/2010/main" val="2090594489"/>
+        <p14:creationId xmlns:p14="http://schemas.microsoft.com/office/powerpoint/2010/main" val="3818515317"/>
+      </p:ext>
+    </p:extLst>
+  </p:cSld>
+  <p:clrMapOvr>
+    <a:masterClrMapping/>
+  </p:clrMapOvr>
+</p:sld>
+</file>
+
+<file path=ppt/slides/slide5.xml><?xml version="1.0" encoding="utf-8"?>
+<p:sld xmlns:a="http://schemas.openxmlformats.org/drawingml/2006/main" xmlns:r="http://schemas.openxmlformats.org/officeDocument/2006/relationships" xmlns:p="http://schemas.openxmlformats.org/presentationml/2006/main">
+  <p:cSld>
+    <p:spTree>
+      <p:nvGrpSpPr>
+        <p:cNvPr id="1" name=""/>
+        <p:cNvGrpSpPr/>
+        <p:nvPr/>
+      </p:nvGrpSpPr>
+      <p:grpSpPr>
+        <a:xfrm>
+          <a:off x="0" y="0"/>
+          <a:ext cx="0" cy="0"/>
+          <a:chOff x="0" y="0"/>
+          <a:chExt cx="0" cy="0"/>
+        </a:xfrm>
+      </p:grpSpPr>
+      <p:sp>
+        <p:nvSpPr>
+          <p:cNvPr id="2" name="Content Placeholder 1"/>
+          <p:cNvSpPr>
+            <a:spLocks noGrp="1"/>
+          </p:cNvSpPr>
+          <p:nvPr>
+            <p:ph idx="1"/>
+          </p:nvPr>
+        </p:nvSpPr>
+        <p:spPr/>
+        <p:txBody>
+          <a:bodyPr/>
+          <a:lstStyle/>
+          <a:p>
+            <a:r>
+              <a:rPr lang="en-US" b="1" dirty="0" err="1" smtClean="0">
+                <a:latin typeface="Arial" pitchFamily="34" charset="0"/>
+                <a:cs typeface="Arial" pitchFamily="34" charset="0"/>
+              </a:rPr>
+              <a:t>Choix</a:t>
+            </a:r>
+            <a:r>
+              <a:rPr lang="en-US" b="1" dirty="0" smtClean="0">
+                <a:latin typeface="Arial" pitchFamily="34" charset="0"/>
+                <a:cs typeface="Arial" pitchFamily="34" charset="0"/>
+              </a:rPr>
+              <a:t> du </a:t>
+            </a:r>
+            <a:r>
+              <a:rPr lang="en-US" b="1" dirty="0" err="1" smtClean="0">
+                <a:latin typeface="Arial" pitchFamily="34" charset="0"/>
+                <a:cs typeface="Arial" pitchFamily="34" charset="0"/>
+              </a:rPr>
+              <a:t>matériels</a:t>
+            </a:r>
+            <a:r>
+              <a:rPr lang="en-US" b="1" dirty="0" smtClean="0">
+                <a:latin typeface="Arial" pitchFamily="34" charset="0"/>
+                <a:cs typeface="Arial" pitchFamily="34" charset="0"/>
+              </a:rPr>
+              <a:t> </a:t>
+            </a:r>
+            <a:endParaRPr lang="en-US" b="1" dirty="0">
+              <a:latin typeface="Arial" pitchFamily="34" charset="0"/>
+              <a:cs typeface="Arial" pitchFamily="34" charset="0"/>
+            </a:endParaRPr>
+          </a:p>
+        </p:txBody>
+      </p:sp>
+      <p:sp>
+        <p:nvSpPr>
+          <p:cNvPr id="3" name="Title 2"/>
+          <p:cNvSpPr>
+            <a:spLocks noGrp="1"/>
+          </p:cNvSpPr>
+          <p:nvPr>
+            <p:ph type="title"/>
+          </p:nvPr>
+        </p:nvSpPr>
+        <p:spPr/>
+        <p:txBody>
+          <a:bodyPr/>
+          <a:lstStyle/>
+          <a:p>
+            <a:r>
+              <a:rPr lang="en-US" dirty="0" smtClean="0"/>
+              <a:t>Solutions Techniques</a:t>
+            </a:r>
+            <a:endParaRPr lang="en-US" dirty="0"/>
+          </a:p>
+        </p:txBody>
+      </p:sp>
+      <p:pic>
+        <p:nvPicPr>
+          <p:cNvPr id="6" name="Picture 2" descr="RÃ©sultat de recherche d'images pour &quot;plante logo png&quot;"/>
+          <p:cNvPicPr>
+            <a:picLocks noChangeAspect="1" noChangeArrowheads="1"/>
+          </p:cNvPicPr>
+          <p:nvPr/>
+        </p:nvPicPr>
+        <p:blipFill>
+          <a:blip r:embed="rId3" cstate="print">
+            <a:extLst>
+              <a:ext uri="{28A0092B-C50C-407E-A947-70E740481C1C}">
+                <a14:useLocalDpi xmlns:a14="http://schemas.microsoft.com/office/drawing/2010/main" val="0"/>
+              </a:ext>
+            </a:extLst>
+          </a:blip>
+          <a:srcRect/>
+          <a:stretch>
+            <a:fillRect/>
+          </a:stretch>
+        </p:blipFill>
+        <p:spPr bwMode="auto">
+          <a:xfrm>
+            <a:off x="8678466" y="4662483"/>
+            <a:ext cx="441976" cy="441976"/>
+          </a:xfrm>
+          <a:prstGeom prst="rect">
+            <a:avLst/>
+          </a:prstGeom>
+          <a:noFill/>
+          <a:extLst>
+            <a:ext uri="{909E8E84-426E-40DD-AFC4-6F175D3DCCD1}">
+              <a14:hiddenFill xmlns:a14="http://schemas.microsoft.com/office/drawing/2010/main">
+                <a:solidFill>
+                  <a:srgbClr val="FFFFFF"/>
+                </a:solidFill>
+              </a14:hiddenFill>
+            </a:ext>
+          </a:extLst>
+        </p:spPr>
+      </p:pic>
+      <p:pic>
+        <p:nvPicPr>
+          <p:cNvPr id="1028" name="Picture 4" descr="RÃ©sultat de recherche d'images pour &quot;LUFA 1PC DALLAS 18B20 DS18B20 TO-92 fil thermomÃ¨tre numÃ©rique tempÃ©rature capteur IC&quot;"/>
+          <p:cNvPicPr>
+            <a:picLocks noChangeAspect="1" noChangeArrowheads="1"/>
+          </p:cNvPicPr>
+          <p:nvPr/>
+        </p:nvPicPr>
+        <p:blipFill>
+          <a:blip r:embed="rId4" cstate="print">
+            <a:extLst>
+              <a:ext uri="{28A0092B-C50C-407E-A947-70E740481C1C}">
+                <a14:useLocalDpi xmlns:a14="http://schemas.microsoft.com/office/drawing/2010/main" val="0"/>
+              </a:ext>
+            </a:extLst>
+          </a:blip>
+          <a:srcRect/>
+          <a:stretch>
+            <a:fillRect/>
+          </a:stretch>
+        </p:blipFill>
+        <p:spPr bwMode="auto">
+          <a:xfrm>
+            <a:off x="2452451" y="1830054"/>
+            <a:ext cx="1370854" cy="1370854"/>
+          </a:xfrm>
+          <a:prstGeom prst="rect">
+            <a:avLst/>
+          </a:prstGeom>
+          <a:noFill/>
+          <a:extLst>
+            <a:ext uri="{909E8E84-426E-40DD-AFC4-6F175D3DCCD1}">
+              <a14:hiddenFill xmlns:a14="http://schemas.microsoft.com/office/drawing/2010/main">
+                <a:solidFill>
+                  <a:srgbClr val="FFFFFF"/>
+                </a:solidFill>
+              </a14:hiddenFill>
+            </a:ext>
+          </a:extLst>
+        </p:spPr>
+      </p:pic>
+      <p:pic>
+        <p:nvPicPr>
+          <p:cNvPr id="1030" name="Picture 6" descr="RÃ©sultat de recherche d'images pour &quot;kwmobile 10x PhotorÃ©sistance LDR - Capteur de luminositÃ© - RÃ©sistance dÃ©pendante de la lumiÃ¨re - Compatible Arduino, Genuino et Raspberry Pi&quot;"/>
+          <p:cNvPicPr>
+            <a:picLocks noChangeAspect="1" noChangeArrowheads="1"/>
+          </p:cNvPicPr>
+          <p:nvPr/>
+        </p:nvPicPr>
+        <p:blipFill>
+          <a:blip r:embed="rId5" cstate="print">
+            <a:extLst>
+              <a:ext uri="{28A0092B-C50C-407E-A947-70E740481C1C}">
+                <a14:useLocalDpi xmlns:a14="http://schemas.microsoft.com/office/drawing/2010/main" val="0"/>
+              </a:ext>
+            </a:extLst>
+          </a:blip>
+          <a:srcRect/>
+          <a:stretch>
+            <a:fillRect/>
+          </a:stretch>
+        </p:blipFill>
+        <p:spPr bwMode="auto">
+          <a:xfrm>
+            <a:off x="3929706" y="1661592"/>
+            <a:ext cx="1707778" cy="1707778"/>
+          </a:xfrm>
+          <a:prstGeom prst="rect">
+            <a:avLst/>
+          </a:prstGeom>
+          <a:noFill/>
+          <a:extLst>
+            <a:ext uri="{909E8E84-426E-40DD-AFC4-6F175D3DCCD1}">
+              <a14:hiddenFill xmlns:a14="http://schemas.microsoft.com/office/drawing/2010/main">
+                <a:solidFill>
+                  <a:srgbClr val="FFFFFF"/>
+                </a:solidFill>
+              </a14:hiddenFill>
+            </a:ext>
+          </a:extLst>
+        </p:spPr>
+      </p:pic>
+      <p:pic>
+        <p:nvPicPr>
+          <p:cNvPr id="9" name="Picture 2" descr="RÃ©sultat de recherche d'images pour &quot;raspberry pi 0 w png&quot;"/>
+          <p:cNvPicPr>
+            <a:picLocks noChangeAspect="1" noChangeArrowheads="1"/>
+          </p:cNvPicPr>
+          <p:nvPr/>
+        </p:nvPicPr>
+        <p:blipFill>
+          <a:blip r:embed="rId6" cstate="print">
+            <a:extLst>
+              <a:ext uri="{28A0092B-C50C-407E-A947-70E740481C1C}">
+                <a14:useLocalDpi xmlns:a14="http://schemas.microsoft.com/office/drawing/2010/main" val="0"/>
+              </a:ext>
+            </a:extLst>
+          </a:blip>
+          <a:srcRect/>
+          <a:stretch>
+            <a:fillRect/>
+          </a:stretch>
+        </p:blipFill>
+        <p:spPr bwMode="auto">
+          <a:xfrm>
+            <a:off x="440726" y="1478362"/>
+            <a:ext cx="1831300" cy="1831300"/>
+          </a:xfrm>
+          <a:prstGeom prst="rect">
+            <a:avLst/>
+          </a:prstGeom>
+          <a:noFill/>
+          <a:extLst>
+            <a:ext uri="{909E8E84-426E-40DD-AFC4-6F175D3DCCD1}">
+              <a14:hiddenFill xmlns:a14="http://schemas.microsoft.com/office/drawing/2010/main">
+                <a:solidFill>
+                  <a:srgbClr val="FFFFFF"/>
+                </a:solidFill>
+              </a14:hiddenFill>
+            </a:ext>
+          </a:extLst>
+        </p:spPr>
+      </p:pic>
+      <p:pic>
+        <p:nvPicPr>
+          <p:cNvPr id="1034" name="Picture 10" descr="RÃ©sultat de recherche d'images pour &quot;SODIAL(R) Sol Hygrometre Humidite Detection Module Humidite Essayant Senseur pour Arduino PI png&quot;"/>
+          <p:cNvPicPr>
+            <a:picLocks noChangeAspect="1" noChangeArrowheads="1"/>
+          </p:cNvPicPr>
+          <p:nvPr/>
+        </p:nvPicPr>
+        <p:blipFill>
+          <a:blip r:embed="rId7" cstate="print">
+            <a:extLst>
+              <a:ext uri="{28A0092B-C50C-407E-A947-70E740481C1C}">
+                <a14:useLocalDpi xmlns:a14="http://schemas.microsoft.com/office/drawing/2010/main" val="0"/>
+              </a:ext>
+            </a:extLst>
+          </a:blip>
+          <a:srcRect/>
+          <a:stretch>
+            <a:fillRect/>
+          </a:stretch>
+        </p:blipFill>
+        <p:spPr bwMode="auto">
+          <a:xfrm>
+            <a:off x="4860032" y="3398798"/>
+            <a:ext cx="1512488" cy="1512488"/>
+          </a:xfrm>
+          <a:prstGeom prst="rect">
+            <a:avLst/>
+          </a:prstGeom>
+          <a:noFill/>
+          <a:extLst>
+            <a:ext uri="{909E8E84-426E-40DD-AFC4-6F175D3DCCD1}">
+              <a14:hiddenFill xmlns:a14="http://schemas.microsoft.com/office/drawing/2010/main">
+                <a:solidFill>
+                  <a:srgbClr val="FFFFFF"/>
+                </a:solidFill>
+              </a14:hiddenFill>
+            </a:ext>
+          </a:extLst>
+        </p:spPr>
+      </p:pic>
+      <p:pic>
+        <p:nvPicPr>
+          <p:cNvPr id="1038" name="Picture 14" descr="RÃ©sultat de recherche d'images pour &quot;Ganvol 40 pcs 20 cm mÃ¢le vers Femelle sans Soudure Flexible Breadboard Jumper Cable Wire pour Arduino, Raspberry Pi ModÃ¨le A/ModÃ¨le B 1 1 + 2 3/Ordinateur Module/Zero&quot;"/>
+          <p:cNvPicPr>
+            <a:picLocks noChangeAspect="1" noChangeArrowheads="1"/>
+          </p:cNvPicPr>
+          <p:nvPr/>
+        </p:nvPicPr>
+        <p:blipFill>
+          <a:blip r:embed="rId8" cstate="print">
+            <a:extLst>
+              <a:ext uri="{28A0092B-C50C-407E-A947-70E740481C1C}">
+                <a14:useLocalDpi xmlns:a14="http://schemas.microsoft.com/office/drawing/2010/main" val="0"/>
+              </a:ext>
+            </a:extLst>
+          </a:blip>
+          <a:srcRect/>
+          <a:stretch>
+            <a:fillRect/>
+          </a:stretch>
+        </p:blipFill>
+        <p:spPr bwMode="auto">
+          <a:xfrm>
+            <a:off x="655680" y="3527663"/>
+            <a:ext cx="1134820" cy="1134820"/>
+          </a:xfrm>
+          <a:prstGeom prst="rect">
+            <a:avLst/>
+          </a:prstGeom>
+          <a:noFill/>
+          <a:extLst>
+            <a:ext uri="{909E8E84-426E-40DD-AFC4-6F175D3DCCD1}">
+              <a14:hiddenFill xmlns:a14="http://schemas.microsoft.com/office/drawing/2010/main">
+                <a:solidFill>
+                  <a:srgbClr val="FFFFFF"/>
+                </a:solidFill>
+              </a14:hiddenFill>
+            </a:ext>
+          </a:extLst>
+        </p:spPr>
+      </p:pic>
+      <p:pic>
+        <p:nvPicPr>
+          <p:cNvPr id="1040" name="Picture 16" descr="RÃ©sultat de recherche d'images pour &quot;Zero Essentials Kit&quot;"/>
+          <p:cNvPicPr>
+            <a:picLocks noChangeAspect="1" noChangeArrowheads="1"/>
+          </p:cNvPicPr>
+          <p:nvPr/>
+        </p:nvPicPr>
+        <p:blipFill>
+          <a:blip r:embed="rId9" cstate="print">
+            <a:extLst>
+              <a:ext uri="{28A0092B-C50C-407E-A947-70E740481C1C}">
+                <a14:useLocalDpi xmlns:a14="http://schemas.microsoft.com/office/drawing/2010/main" val="0"/>
+              </a:ext>
+            </a:extLst>
+          </a:blip>
+          <a:srcRect/>
+          <a:stretch>
+            <a:fillRect/>
+          </a:stretch>
+        </p:blipFill>
+        <p:spPr bwMode="auto">
+          <a:xfrm>
+            <a:off x="2555776" y="3325361"/>
+            <a:ext cx="1746895" cy="1657367"/>
+          </a:xfrm>
+          <a:prstGeom prst="rect">
+            <a:avLst/>
+          </a:prstGeom>
+          <a:noFill/>
+          <a:extLst>
+            <a:ext uri="{909E8E84-426E-40DD-AFC4-6F175D3DCCD1}">
+              <a14:hiddenFill xmlns:a14="http://schemas.microsoft.com/office/drawing/2010/main">
+                <a:solidFill>
+                  <a:srgbClr val="FFFFFF"/>
+                </a:solidFill>
+              </a14:hiddenFill>
+            </a:ext>
+          </a:extLst>
+        </p:spPr>
+      </p:pic>
+      <p:pic>
+        <p:nvPicPr>
+          <p:cNvPr id="7" name="Image 6"/>
+          <p:cNvPicPr>
+            <a:picLocks noChangeAspect="1"/>
+          </p:cNvPicPr>
+          <p:nvPr/>
+        </p:nvPicPr>
+        <p:blipFill>
+          <a:blip r:embed="rId10"/>
+          <a:stretch>
+            <a:fillRect/>
+          </a:stretch>
+        </p:blipFill>
+        <p:spPr>
+          <a:xfrm>
+            <a:off x="5746291" y="2080801"/>
+            <a:ext cx="2838251" cy="878364"/>
+          </a:xfrm>
+          <a:prstGeom prst="rect">
+            <a:avLst/>
+          </a:prstGeom>
+        </p:spPr>
+      </p:pic>
+      <p:pic>
+        <p:nvPicPr>
+          <p:cNvPr id="1042" name="Picture 18" descr="https://www.ecomposant.com/3783-large_default/5x-condensateur-electrolitique-radial-10uf-35v-5x11mm-154con351.jpg"/>
+          <p:cNvPicPr>
+            <a:picLocks noChangeAspect="1" noChangeArrowheads="1"/>
+          </p:cNvPicPr>
+          <p:nvPr/>
+        </p:nvPicPr>
+        <p:blipFill>
+          <a:blip r:embed="rId11" cstate="print">
+            <a:extLst>
+              <a:ext uri="{28A0092B-C50C-407E-A947-70E740481C1C}">
+                <a14:useLocalDpi xmlns:a14="http://schemas.microsoft.com/office/drawing/2010/main" val="0"/>
+              </a:ext>
+            </a:extLst>
+          </a:blip>
+          <a:srcRect/>
+          <a:stretch>
+            <a:fillRect/>
+          </a:stretch>
+        </p:blipFill>
+        <p:spPr bwMode="auto">
+          <a:xfrm>
+            <a:off x="6768252" y="3396803"/>
+            <a:ext cx="1514482" cy="1514482"/>
+          </a:xfrm>
+          <a:prstGeom prst="rect">
+            <a:avLst/>
+          </a:prstGeom>
+          <a:noFill/>
+          <a:extLst>
+            <a:ext uri="{909E8E84-426E-40DD-AFC4-6F175D3DCCD1}">
+              <a14:hiddenFill xmlns:a14="http://schemas.microsoft.com/office/drawing/2010/main">
+                <a:solidFill>
+                  <a:srgbClr val="FFFFFF"/>
+                </a:solidFill>
+              </a14:hiddenFill>
+            </a:ext>
+          </a:extLst>
+        </p:spPr>
+      </p:pic>
+    </p:spTree>
+    <p:extLst>
+      <p:ext uri="{BB962C8B-B14F-4D97-AF65-F5344CB8AC3E}">
+        <p14:creationId xmlns:p14="http://schemas.microsoft.com/office/powerpoint/2010/main" val="1554995169"/>
+      </p:ext>
+    </p:extLst>
+  </p:cSld>
+  <p:clrMapOvr>
+    <a:masterClrMapping/>
+  </p:clrMapOvr>
+</p:sld>
+</file>
+
+<file path=ppt/slides/slide6.xml><?xml version="1.0" encoding="utf-8"?>
+<p:sld xmlns:a="http://schemas.openxmlformats.org/drawingml/2006/main" xmlns:r="http://schemas.openxmlformats.org/officeDocument/2006/relationships" xmlns:p="http://schemas.openxmlformats.org/presentationml/2006/main">
+  <p:cSld>
+    <p:spTree>
+      <p:nvGrpSpPr>
+        <p:cNvPr id="1" name=""/>
+        <p:cNvGrpSpPr/>
+        <p:nvPr/>
+      </p:nvGrpSpPr>
+      <p:grpSpPr>
+        <a:xfrm>
+          <a:off x="0" y="0"/>
+          <a:ext cx="0" cy="0"/>
+          <a:chOff x="0" y="0"/>
+          <a:chExt cx="0" cy="0"/>
+        </a:xfrm>
+      </p:grpSpPr>
+      <p:sp>
+        <p:nvSpPr>
+          <p:cNvPr id="2" name="Content Placeholder 1"/>
+          <p:cNvSpPr>
+            <a:spLocks noGrp="1"/>
+          </p:cNvSpPr>
+          <p:nvPr>
+            <p:ph idx="1"/>
+          </p:nvPr>
+        </p:nvSpPr>
+        <p:spPr>
+          <a:xfrm>
+            <a:off x="1619672" y="4019215"/>
+            <a:ext cx="6516216" cy="757672"/>
+          </a:xfrm>
+        </p:spPr>
+        <p:txBody>
+          <a:bodyPr/>
+          <a:lstStyle/>
+          <a:p>
+            <a:r>
+              <a:rPr lang="en-US" b="1" dirty="0" smtClean="0">
+                <a:latin typeface="Arial" pitchFamily="34" charset="0"/>
+                <a:cs typeface="Arial" pitchFamily="34" charset="0"/>
+              </a:rPr>
+              <a:t>Le plus </a:t>
+            </a:r>
+            <a:r>
+              <a:rPr lang="en-US" b="1" dirty="0" err="1" smtClean="0">
+                <a:latin typeface="Arial" pitchFamily="34" charset="0"/>
+                <a:cs typeface="Arial" pitchFamily="34" charset="0"/>
+              </a:rPr>
+              <a:t>maîtrisé</a:t>
+            </a:r>
+            <a:r>
+              <a:rPr lang="en-US" b="1" dirty="0" smtClean="0">
+                <a:latin typeface="Arial" pitchFamily="34" charset="0"/>
+                <a:cs typeface="Arial" pitchFamily="34" charset="0"/>
+              </a:rPr>
+              <a:t>                              Facile </a:t>
+            </a:r>
+            <a:r>
+              <a:rPr lang="en-US" b="1" dirty="0" err="1" smtClean="0">
+                <a:latin typeface="Arial" pitchFamily="34" charset="0"/>
+                <a:cs typeface="Arial" pitchFamily="34" charset="0"/>
+              </a:rPr>
+              <a:t>d’utilisation</a:t>
+            </a:r>
+            <a:endParaRPr lang="en-US" b="1" dirty="0">
+              <a:latin typeface="Arial" pitchFamily="34" charset="0"/>
+              <a:cs typeface="Arial" pitchFamily="34" charset="0"/>
+            </a:endParaRPr>
+          </a:p>
+        </p:txBody>
+      </p:sp>
+      <p:sp>
+        <p:nvSpPr>
+          <p:cNvPr id="5" name="Content Placeholder 4"/>
+          <p:cNvSpPr>
+            <a:spLocks noGrp="1"/>
+          </p:cNvSpPr>
+          <p:nvPr>
+            <p:ph idx="10"/>
+          </p:nvPr>
+        </p:nvSpPr>
+        <p:spPr/>
+        <p:txBody>
+          <a:bodyPr/>
+          <a:lstStyle/>
+          <a:p>
+            <a:endParaRPr lang="en-US" altLang="ko-KR" dirty="0">
+              <a:latin typeface="Arial" pitchFamily="34" charset="0"/>
+              <a:cs typeface="Arial" pitchFamily="34" charset="0"/>
+            </a:endParaRPr>
+          </a:p>
+          <a:p>
+            <a:pPr marL="285750" indent="-285750">
+              <a:buFont typeface="Wingdings" panose="05000000000000000000" pitchFamily="2" charset="2"/>
+              <a:buChar char="§"/>
+            </a:pPr>
+            <a:endParaRPr lang="en-US" altLang="ko-KR" dirty="0" smtClean="0">
+              <a:latin typeface="Arial" pitchFamily="34" charset="0"/>
+              <a:cs typeface="Arial" pitchFamily="34" charset="0"/>
+            </a:endParaRPr>
+          </a:p>
+          <a:p>
+            <a:pPr marL="285750" indent="-285750">
+              <a:buFont typeface="Arial" panose="020B0604020202020204" pitchFamily="34" charset="0"/>
+              <a:buChar char="•"/>
+            </a:pPr>
+            <a:endParaRPr lang="en-US" altLang="ko-KR" dirty="0" smtClean="0">
+              <a:latin typeface="Arial" pitchFamily="34" charset="0"/>
+              <a:cs typeface="Arial" pitchFamily="34" charset="0"/>
+            </a:endParaRPr>
+          </a:p>
+          <a:p>
+            <a:pPr marL="285750" indent="-285750">
+              <a:buFont typeface="Arial" panose="020B0604020202020204" pitchFamily="34" charset="0"/>
+              <a:buChar char="•"/>
+            </a:pPr>
+            <a:endParaRPr lang="en-US" altLang="ko-KR" dirty="0">
+              <a:latin typeface="Arial" pitchFamily="34" charset="0"/>
+              <a:cs typeface="Arial" pitchFamily="34" charset="0"/>
+            </a:endParaRPr>
+          </a:p>
+        </p:txBody>
+      </p:sp>
+      <p:sp>
+        <p:nvSpPr>
+          <p:cNvPr id="3" name="Title 2"/>
+          <p:cNvSpPr>
+            <a:spLocks noGrp="1"/>
+          </p:cNvSpPr>
+          <p:nvPr>
+            <p:ph type="title"/>
+          </p:nvPr>
+        </p:nvSpPr>
+        <p:spPr/>
+        <p:txBody>
+          <a:bodyPr/>
+          <a:lstStyle/>
+          <a:p>
+            <a:r>
+              <a:rPr lang="en-US" dirty="0" err="1" smtClean="0"/>
+              <a:t>Côté</a:t>
+            </a:r>
+            <a:r>
+              <a:rPr lang="en-US" dirty="0" smtClean="0"/>
+              <a:t> </a:t>
+            </a:r>
+            <a:r>
+              <a:rPr lang="en-US" dirty="0" err="1" smtClean="0"/>
+              <a:t>programmation</a:t>
+            </a:r>
+            <a:r>
+              <a:rPr lang="en-US" dirty="0" smtClean="0"/>
+              <a:t> : </a:t>
+            </a:r>
+            <a:r>
+              <a:rPr lang="en-US" dirty="0" err="1" smtClean="0"/>
+              <a:t>l’IOT</a:t>
+            </a:r>
+            <a:endParaRPr lang="en-US" dirty="0"/>
+          </a:p>
+        </p:txBody>
+      </p:sp>
+      <p:pic>
+        <p:nvPicPr>
+          <p:cNvPr id="6" name="Picture 2" descr="RÃ©sultat de recherche d'images pour &quot;plante logo png&quot;"/>
+          <p:cNvPicPr>
+            <a:picLocks noChangeAspect="1" noChangeArrowheads="1"/>
+          </p:cNvPicPr>
+          <p:nvPr/>
+        </p:nvPicPr>
+        <p:blipFill>
+          <a:blip r:embed="rId2" cstate="print">
+            <a:extLst>
+              <a:ext uri="{28A0092B-C50C-407E-A947-70E740481C1C}">
+                <a14:useLocalDpi xmlns:a14="http://schemas.microsoft.com/office/drawing/2010/main" val="0"/>
+              </a:ext>
+            </a:extLst>
+          </a:blip>
+          <a:srcRect/>
+          <a:stretch>
+            <a:fillRect/>
+          </a:stretch>
+        </p:blipFill>
+        <p:spPr bwMode="auto">
+          <a:xfrm>
+            <a:off x="8678466" y="4662483"/>
+            <a:ext cx="441976" cy="441976"/>
+          </a:xfrm>
+          <a:prstGeom prst="rect">
+            <a:avLst/>
+          </a:prstGeom>
+          <a:noFill/>
+          <a:extLst>
+            <a:ext uri="{909E8E84-426E-40DD-AFC4-6F175D3DCCD1}">
+              <a14:hiddenFill xmlns:a14="http://schemas.microsoft.com/office/drawing/2010/main">
+                <a:solidFill>
+                  <a:srgbClr val="FFFFFF"/>
+                </a:solidFill>
+              </a14:hiddenFill>
+            </a:ext>
+          </a:extLst>
+        </p:spPr>
+      </p:pic>
+      <p:pic>
+        <p:nvPicPr>
+          <p:cNvPr id="3074" name="Picture 2" descr="RÃ©sultat de recherche d'images pour &quot;python png&quot;"/>
+          <p:cNvPicPr>
+            <a:picLocks noChangeAspect="1" noChangeArrowheads="1"/>
+          </p:cNvPicPr>
+          <p:nvPr/>
+        </p:nvPicPr>
+        <p:blipFill>
+          <a:blip r:embed="rId3" cstate="print">
+            <a:extLst>
+              <a:ext uri="{28A0092B-C50C-407E-A947-70E740481C1C}">
+                <a14:useLocalDpi xmlns:a14="http://schemas.microsoft.com/office/drawing/2010/main" val="0"/>
+              </a:ext>
+            </a:extLst>
+          </a:blip>
+          <a:srcRect/>
+          <a:stretch>
+            <a:fillRect/>
+          </a:stretch>
+        </p:blipFill>
+        <p:spPr bwMode="auto">
+          <a:xfrm>
+            <a:off x="3443001" y="1512260"/>
+            <a:ext cx="2257997" cy="2257997"/>
+          </a:xfrm>
+          <a:prstGeom prst="rect">
+            <a:avLst/>
+          </a:prstGeom>
+          <a:noFill/>
+          <a:extLst>
+            <a:ext uri="{909E8E84-426E-40DD-AFC4-6F175D3DCCD1}">
+              <a14:hiddenFill xmlns:a14="http://schemas.microsoft.com/office/drawing/2010/main">
+                <a:solidFill>
+                  <a:srgbClr val="FFFFFF"/>
+                </a:solidFill>
+              </a14:hiddenFill>
+            </a:ext>
+          </a:extLst>
+        </p:spPr>
+      </p:pic>
+    </p:spTree>
+    <p:extLst>
+      <p:ext uri="{BB962C8B-B14F-4D97-AF65-F5344CB8AC3E}">
+        <p14:creationId xmlns:p14="http://schemas.microsoft.com/office/powerpoint/2010/main" val="3557230383"/>
+      </p:ext>
+    </p:extLst>
+  </p:cSld>
+  <p:clrMapOvr>
+    <a:masterClrMapping/>
+  </p:clrMapOvr>
+</p:sld>
+</file>
+
+<file path=ppt/slides/slide7.xml><?xml version="1.0" encoding="utf-8"?>
+<p:sld xmlns:a="http://schemas.openxmlformats.org/drawingml/2006/main" xmlns:r="http://schemas.openxmlformats.org/officeDocument/2006/relationships" xmlns:p="http://schemas.openxmlformats.org/presentationml/2006/main">
+  <p:cSld>
+    <p:spTree>
+      <p:nvGrpSpPr>
+        <p:cNvPr id="1" name=""/>
+        <p:cNvGrpSpPr/>
+        <p:nvPr/>
+      </p:nvGrpSpPr>
+      <p:grpSpPr>
+        <a:xfrm>
+          <a:off x="0" y="0"/>
+          <a:ext cx="0" cy="0"/>
+          <a:chOff x="0" y="0"/>
+          <a:chExt cx="0" cy="0"/>
+        </a:xfrm>
+      </p:grpSpPr>
+      <p:sp>
+        <p:nvSpPr>
+          <p:cNvPr id="2" name="Content Placeholder 1"/>
+          <p:cNvSpPr>
+            <a:spLocks noGrp="1"/>
+          </p:cNvSpPr>
+          <p:nvPr>
+            <p:ph idx="1"/>
+          </p:nvPr>
+        </p:nvSpPr>
+        <p:spPr>
+          <a:xfrm>
+            <a:off x="514689" y="1507800"/>
+            <a:ext cx="8496944" cy="2116266"/>
+          </a:xfrm>
+        </p:spPr>
+        <p:txBody>
+          <a:bodyPr/>
+          <a:lstStyle/>
+          <a:p>
+            <a:pPr marL="342900" indent="-342900">
+              <a:buFont typeface="Arial" panose="020B0604020202020204" pitchFamily="34" charset="0"/>
+              <a:buChar char="•"/>
+            </a:pPr>
+            <a:r>
+              <a:rPr lang="en-US" b="1" dirty="0" smtClean="0">
+                <a:latin typeface="Arial" pitchFamily="34" charset="0"/>
+                <a:cs typeface="Arial" pitchFamily="34" charset="0"/>
+              </a:rPr>
+              <a:t>Simple </a:t>
+            </a:r>
+            <a:r>
+              <a:rPr lang="en-US" b="1" dirty="0" err="1" smtClean="0">
+                <a:latin typeface="Arial" pitchFamily="34" charset="0"/>
+                <a:cs typeface="Arial" pitchFamily="34" charset="0"/>
+              </a:rPr>
+              <a:t>d’utilisation</a:t>
+            </a:r>
+            <a:endParaRPr lang="en-US" b="1" dirty="0" smtClean="0">
+              <a:latin typeface="Arial" pitchFamily="34" charset="0"/>
+              <a:cs typeface="Arial" pitchFamily="34" charset="0"/>
+            </a:endParaRPr>
+          </a:p>
+          <a:p>
+            <a:pPr marL="342900" indent="-342900">
+              <a:buFont typeface="Arial" panose="020B0604020202020204" pitchFamily="34" charset="0"/>
+              <a:buChar char="•"/>
+            </a:pPr>
+            <a:endParaRPr lang="en-US" b="1" dirty="0">
+              <a:latin typeface="Arial" pitchFamily="34" charset="0"/>
+              <a:cs typeface="Arial" pitchFamily="34" charset="0"/>
+            </a:endParaRPr>
+          </a:p>
+          <a:p>
+            <a:pPr marL="342900" indent="-342900">
+              <a:buFont typeface="Arial" panose="020B0604020202020204" pitchFamily="34" charset="0"/>
+              <a:buChar char="•"/>
+            </a:pPr>
+            <a:r>
+              <a:rPr lang="en-US" b="1" dirty="0" err="1" smtClean="0">
+                <a:latin typeface="Arial" pitchFamily="34" charset="0"/>
+                <a:cs typeface="Arial" pitchFamily="34" charset="0"/>
+              </a:rPr>
+              <a:t>Rapide</a:t>
+            </a:r>
+            <a:r>
+              <a:rPr lang="en-US" b="1" dirty="0">
+                <a:latin typeface="Arial" pitchFamily="34" charset="0"/>
+                <a:cs typeface="Arial" pitchFamily="34" charset="0"/>
+              </a:rPr>
+              <a:t> </a:t>
+            </a:r>
+            <a:r>
+              <a:rPr lang="en-US" b="1" dirty="0" smtClean="0">
+                <a:latin typeface="Arial" pitchFamily="34" charset="0"/>
+                <a:cs typeface="Arial" pitchFamily="34" charset="0"/>
+              </a:rPr>
+              <a:t>et performant</a:t>
+            </a:r>
+          </a:p>
+          <a:p>
+            <a:pPr marL="342900" indent="-342900">
+              <a:buFont typeface="Arial" panose="020B0604020202020204" pitchFamily="34" charset="0"/>
+              <a:buChar char="•"/>
+            </a:pPr>
+            <a:endParaRPr lang="en-US" b="1" dirty="0">
+              <a:latin typeface="Arial" pitchFamily="34" charset="0"/>
+              <a:cs typeface="Arial" pitchFamily="34" charset="0"/>
+            </a:endParaRPr>
+          </a:p>
+          <a:p>
+            <a:pPr marL="342900" indent="-342900">
+              <a:buFont typeface="Arial" panose="020B0604020202020204" pitchFamily="34" charset="0"/>
+              <a:buChar char="•"/>
+            </a:pPr>
+            <a:r>
+              <a:rPr lang="en-US" b="1" dirty="0" smtClean="0">
+                <a:latin typeface="Arial" pitchFamily="34" charset="0"/>
+                <a:cs typeface="Arial" pitchFamily="34" charset="0"/>
+              </a:rPr>
+              <a:t>Compatible avec Python</a:t>
+            </a:r>
+            <a:endParaRPr lang="en-US" b="1" dirty="0">
+              <a:latin typeface="Arial" pitchFamily="34" charset="0"/>
+              <a:cs typeface="Arial" pitchFamily="34" charset="0"/>
+            </a:endParaRPr>
+          </a:p>
+        </p:txBody>
+      </p:sp>
+      <p:sp>
+        <p:nvSpPr>
+          <p:cNvPr id="5" name="Content Placeholder 4"/>
+          <p:cNvSpPr>
+            <a:spLocks noGrp="1"/>
+          </p:cNvSpPr>
+          <p:nvPr>
+            <p:ph idx="10"/>
+          </p:nvPr>
+        </p:nvSpPr>
+        <p:spPr/>
+        <p:txBody>
+          <a:bodyPr/>
+          <a:lstStyle/>
+          <a:p>
+            <a:endParaRPr lang="en-US" altLang="ko-KR" dirty="0">
+              <a:latin typeface="Arial" pitchFamily="34" charset="0"/>
+              <a:cs typeface="Arial" pitchFamily="34" charset="0"/>
+            </a:endParaRPr>
+          </a:p>
+          <a:p>
+            <a:pPr marL="285750" indent="-285750">
+              <a:buFont typeface="Wingdings" panose="05000000000000000000" pitchFamily="2" charset="2"/>
+              <a:buChar char="§"/>
+            </a:pPr>
+            <a:endParaRPr lang="en-US" altLang="ko-KR" dirty="0" smtClean="0">
+              <a:latin typeface="Arial" pitchFamily="34" charset="0"/>
+              <a:cs typeface="Arial" pitchFamily="34" charset="0"/>
+            </a:endParaRPr>
+          </a:p>
+          <a:p>
+            <a:pPr marL="285750" indent="-285750">
+              <a:buFont typeface="Arial" panose="020B0604020202020204" pitchFamily="34" charset="0"/>
+              <a:buChar char="•"/>
+            </a:pPr>
+            <a:endParaRPr lang="en-US" altLang="ko-KR" dirty="0" smtClean="0">
+              <a:latin typeface="Arial" pitchFamily="34" charset="0"/>
+              <a:cs typeface="Arial" pitchFamily="34" charset="0"/>
+            </a:endParaRPr>
+          </a:p>
+          <a:p>
+            <a:pPr marL="285750" indent="-285750">
+              <a:buFont typeface="Arial" panose="020B0604020202020204" pitchFamily="34" charset="0"/>
+              <a:buChar char="•"/>
+            </a:pPr>
+            <a:endParaRPr lang="en-US" altLang="ko-KR" dirty="0">
+              <a:latin typeface="Arial" pitchFamily="34" charset="0"/>
+              <a:cs typeface="Arial" pitchFamily="34" charset="0"/>
+            </a:endParaRPr>
+          </a:p>
+        </p:txBody>
+      </p:sp>
+      <p:sp>
+        <p:nvSpPr>
+          <p:cNvPr id="3" name="Title 2"/>
+          <p:cNvSpPr>
+            <a:spLocks noGrp="1"/>
+          </p:cNvSpPr>
+          <p:nvPr>
+            <p:ph type="title"/>
+          </p:nvPr>
+        </p:nvSpPr>
+        <p:spPr/>
+        <p:txBody>
+          <a:bodyPr/>
+          <a:lstStyle/>
+          <a:p>
+            <a:r>
+              <a:rPr lang="en-US" dirty="0" err="1" smtClean="0"/>
+              <a:t>Côté</a:t>
+            </a:r>
+            <a:r>
+              <a:rPr lang="en-US" dirty="0" smtClean="0"/>
+              <a:t> </a:t>
+            </a:r>
+            <a:r>
+              <a:rPr lang="en-US" dirty="0" err="1" smtClean="0"/>
+              <a:t>programmation</a:t>
+            </a:r>
+            <a:r>
+              <a:rPr lang="en-US" dirty="0" smtClean="0"/>
+              <a:t> : la BDD</a:t>
+            </a:r>
+            <a:endParaRPr lang="en-US" dirty="0"/>
+          </a:p>
+        </p:txBody>
+      </p:sp>
+      <p:pic>
+        <p:nvPicPr>
+          <p:cNvPr id="6" name="Picture 2" descr="RÃ©sultat de recherche d'images pour &quot;plante logo png&quot;"/>
+          <p:cNvPicPr>
+            <a:picLocks noChangeAspect="1" noChangeArrowheads="1"/>
+          </p:cNvPicPr>
+          <p:nvPr/>
+        </p:nvPicPr>
+        <p:blipFill>
+          <a:blip r:embed="rId2" cstate="print">
+            <a:extLst>
+              <a:ext uri="{28A0092B-C50C-407E-A947-70E740481C1C}">
+                <a14:useLocalDpi xmlns:a14="http://schemas.microsoft.com/office/drawing/2010/main" val="0"/>
+              </a:ext>
+            </a:extLst>
+          </a:blip>
+          <a:srcRect/>
+          <a:stretch>
+            <a:fillRect/>
+          </a:stretch>
+        </p:blipFill>
+        <p:spPr bwMode="auto">
+          <a:xfrm>
+            <a:off x="8678466" y="4662483"/>
+            <a:ext cx="441976" cy="441976"/>
+          </a:xfrm>
+          <a:prstGeom prst="rect">
+            <a:avLst/>
+          </a:prstGeom>
+          <a:noFill/>
+          <a:extLst>
+            <a:ext uri="{909E8E84-426E-40DD-AFC4-6F175D3DCCD1}">
+              <a14:hiddenFill xmlns:a14="http://schemas.microsoft.com/office/drawing/2010/main">
+                <a:solidFill>
+                  <a:srgbClr val="FFFFFF"/>
+                </a:solidFill>
+              </a14:hiddenFill>
+            </a:ext>
+          </a:extLst>
+        </p:spPr>
+      </p:pic>
+      <p:pic>
+        <p:nvPicPr>
+          <p:cNvPr id="2050" name="Picture 2" descr="RÃ©sultat de recherche d'images pour &quot;mysql png&quot;"/>
+          <p:cNvPicPr>
+            <a:picLocks noChangeAspect="1" noChangeArrowheads="1"/>
+          </p:cNvPicPr>
+          <p:nvPr/>
+        </p:nvPicPr>
+        <p:blipFill>
+          <a:blip r:embed="rId3" cstate="print">
+            <a:extLst>
+              <a:ext uri="{28A0092B-C50C-407E-A947-70E740481C1C}">
+                <a14:useLocalDpi xmlns:a14="http://schemas.microsoft.com/office/drawing/2010/main" val="0"/>
+              </a:ext>
+            </a:extLst>
+          </a:blip>
+          <a:srcRect/>
+          <a:stretch>
+            <a:fillRect/>
+          </a:stretch>
+        </p:blipFill>
+        <p:spPr bwMode="auto">
+          <a:xfrm>
+            <a:off x="4716016" y="555526"/>
+            <a:ext cx="3672408" cy="3672408"/>
+          </a:xfrm>
+          <a:prstGeom prst="rect">
+            <a:avLst/>
+          </a:prstGeom>
+          <a:noFill/>
+          <a:extLst>
+            <a:ext uri="{909E8E84-426E-40DD-AFC4-6F175D3DCCD1}">
+              <a14:hiddenFill xmlns:a14="http://schemas.microsoft.com/office/drawing/2010/main">
+                <a:solidFill>
+                  <a:srgbClr val="FFFFFF"/>
+                </a:solidFill>
+              </a14:hiddenFill>
+            </a:ext>
+          </a:extLst>
+        </p:spPr>
+      </p:pic>
+    </p:spTree>
+    <p:extLst>
+      <p:ext uri="{BB962C8B-B14F-4D97-AF65-F5344CB8AC3E}">
+        <p14:creationId xmlns:p14="http://schemas.microsoft.com/office/powerpoint/2010/main" val="497957976"/>
+      </p:ext>
+    </p:extLst>
+  </p:cSld>
+  <p:clrMapOvr>
+    <a:masterClrMapping/>
+  </p:clrMapOvr>
+</p:sld>
+</file>
+
+<file path=ppt/slides/slide8.xml><?xml version="1.0" encoding="utf-8"?>
+<p:sld xmlns:a="http://schemas.openxmlformats.org/drawingml/2006/main" xmlns:r="http://schemas.openxmlformats.org/officeDocument/2006/relationships" xmlns:p="http://schemas.openxmlformats.org/presentationml/2006/main">
+  <p:cSld>
+    <p:spTree>
+      <p:nvGrpSpPr>
+        <p:cNvPr id="1" name=""/>
+        <p:cNvGrpSpPr/>
+        <p:nvPr/>
+      </p:nvGrpSpPr>
+      <p:grpSpPr>
+        <a:xfrm>
+          <a:off x="0" y="0"/>
+          <a:ext cx="0" cy="0"/>
+          <a:chOff x="0" y="0"/>
+          <a:chExt cx="0" cy="0"/>
+        </a:xfrm>
+      </p:grpSpPr>
+      <p:sp>
+        <p:nvSpPr>
+          <p:cNvPr id="5" name="Content Placeholder 4"/>
+          <p:cNvSpPr>
+            <a:spLocks noGrp="1"/>
+          </p:cNvSpPr>
+          <p:nvPr>
+            <p:ph idx="10"/>
+          </p:nvPr>
+        </p:nvSpPr>
+        <p:spPr/>
+        <p:txBody>
+          <a:bodyPr/>
+          <a:lstStyle/>
+          <a:p>
+            <a:endParaRPr lang="en-US" altLang="ko-KR" dirty="0">
+              <a:latin typeface="Arial" pitchFamily="34" charset="0"/>
+              <a:cs typeface="Arial" pitchFamily="34" charset="0"/>
+            </a:endParaRPr>
+          </a:p>
+          <a:p>
+            <a:pPr marL="285750" indent="-285750">
+              <a:buFont typeface="Wingdings" panose="05000000000000000000" pitchFamily="2" charset="2"/>
+              <a:buChar char="§"/>
+            </a:pPr>
+            <a:endParaRPr lang="en-US" altLang="ko-KR" dirty="0" smtClean="0">
+              <a:latin typeface="Arial" pitchFamily="34" charset="0"/>
+              <a:cs typeface="Arial" pitchFamily="34" charset="0"/>
+            </a:endParaRPr>
+          </a:p>
+          <a:p>
+            <a:pPr marL="285750" indent="-285750">
+              <a:buFont typeface="Arial" panose="020B0604020202020204" pitchFamily="34" charset="0"/>
+              <a:buChar char="•"/>
+            </a:pPr>
+            <a:endParaRPr lang="en-US" altLang="ko-KR" dirty="0" smtClean="0">
+              <a:latin typeface="Arial" pitchFamily="34" charset="0"/>
+              <a:cs typeface="Arial" pitchFamily="34" charset="0"/>
+            </a:endParaRPr>
+          </a:p>
+          <a:p>
+            <a:pPr marL="285750" indent="-285750">
+              <a:buFont typeface="Arial" panose="020B0604020202020204" pitchFamily="34" charset="0"/>
+              <a:buChar char="•"/>
+            </a:pPr>
+            <a:endParaRPr lang="en-US" altLang="ko-KR" dirty="0">
+              <a:latin typeface="Arial" pitchFamily="34" charset="0"/>
+              <a:cs typeface="Arial" pitchFamily="34" charset="0"/>
+            </a:endParaRPr>
+          </a:p>
+        </p:txBody>
+      </p:sp>
+      <p:sp>
+        <p:nvSpPr>
+          <p:cNvPr id="3" name="Title 2"/>
+          <p:cNvSpPr>
+            <a:spLocks noGrp="1"/>
+          </p:cNvSpPr>
+          <p:nvPr>
+            <p:ph type="title"/>
+          </p:nvPr>
+        </p:nvSpPr>
+        <p:spPr/>
+        <p:txBody>
+          <a:bodyPr/>
+          <a:lstStyle/>
+          <a:p>
+            <a:r>
+              <a:rPr lang="en-US" dirty="0" err="1" smtClean="0"/>
+              <a:t>Côté</a:t>
+            </a:r>
+            <a:r>
+              <a:rPr lang="en-US" dirty="0" smtClean="0"/>
+              <a:t> </a:t>
+            </a:r>
+            <a:r>
+              <a:rPr lang="en-US" dirty="0" err="1" smtClean="0"/>
+              <a:t>programmation</a:t>
+            </a:r>
+            <a:r>
+              <a:rPr lang="en-US" dirty="0" smtClean="0"/>
+              <a:t> : le site</a:t>
+            </a:r>
+            <a:endParaRPr lang="en-US" dirty="0"/>
+          </a:p>
+        </p:txBody>
+      </p:sp>
+      <p:pic>
+        <p:nvPicPr>
+          <p:cNvPr id="6" name="Picture 2" descr="RÃ©sultat de recherche d'images pour &quot;plante logo png&quot;"/>
+          <p:cNvPicPr>
+            <a:picLocks noChangeAspect="1" noChangeArrowheads="1"/>
+          </p:cNvPicPr>
+          <p:nvPr/>
+        </p:nvPicPr>
+        <p:blipFill>
+          <a:blip r:embed="rId2" cstate="print">
+            <a:extLst>
+              <a:ext uri="{28A0092B-C50C-407E-A947-70E740481C1C}">
+                <a14:useLocalDpi xmlns:a14="http://schemas.microsoft.com/office/drawing/2010/main" val="0"/>
+              </a:ext>
+            </a:extLst>
+          </a:blip>
+          <a:srcRect/>
+          <a:stretch>
+            <a:fillRect/>
+          </a:stretch>
+        </p:blipFill>
+        <p:spPr bwMode="auto">
+          <a:xfrm>
+            <a:off x="8678466" y="4662483"/>
+            <a:ext cx="441976" cy="441976"/>
+          </a:xfrm>
+          <a:prstGeom prst="rect">
+            <a:avLst/>
+          </a:prstGeom>
+          <a:noFill/>
+          <a:extLst>
+            <a:ext uri="{909E8E84-426E-40DD-AFC4-6F175D3DCCD1}">
+              <a14:hiddenFill xmlns:a14="http://schemas.microsoft.com/office/drawing/2010/main">
+                <a:solidFill>
+                  <a:srgbClr val="FFFFFF"/>
+                </a:solidFill>
+              </a14:hiddenFill>
+            </a:ext>
+          </a:extLst>
+        </p:spPr>
+      </p:pic>
+      <p:pic>
+        <p:nvPicPr>
+          <p:cNvPr id="4098" name="Picture 2" descr="https://cdn.discordapp.com/attachments/539390522402275329/587919466101342229/unknown.png"/>
+          <p:cNvPicPr>
+            <a:picLocks noChangeAspect="1" noChangeArrowheads="1"/>
+          </p:cNvPicPr>
+          <p:nvPr/>
+        </p:nvPicPr>
+        <p:blipFill>
+          <a:blip r:embed="rId3">
+            <a:extLst>
+              <a:ext uri="{28A0092B-C50C-407E-A947-70E740481C1C}">
+                <a14:useLocalDpi xmlns:a14="http://schemas.microsoft.com/office/drawing/2010/main" val="0"/>
+              </a:ext>
+            </a:extLst>
+          </a:blip>
+          <a:srcRect/>
+          <a:stretch>
+            <a:fillRect/>
+          </a:stretch>
+        </p:blipFill>
+        <p:spPr bwMode="auto">
+          <a:xfrm>
+            <a:off x="900112" y="1808261"/>
+            <a:ext cx="7343775" cy="1800225"/>
+          </a:xfrm>
+          <a:prstGeom prst="rect">
+            <a:avLst/>
+          </a:prstGeom>
+          <a:noFill/>
+          <a:extLst>
+            <a:ext uri="{909E8E84-426E-40DD-AFC4-6F175D3DCCD1}">
+              <a14:hiddenFill xmlns:a14="http://schemas.microsoft.com/office/drawing/2010/main">
+                <a:solidFill>
+                  <a:srgbClr val="FFFFFF"/>
+                </a:solidFill>
+              </a14:hiddenFill>
+            </a:ext>
+          </a:extLst>
+        </p:spPr>
+      </p:pic>
+    </p:spTree>
+    <p:extLst>
+      <p:ext uri="{BB962C8B-B14F-4D97-AF65-F5344CB8AC3E}">
+        <p14:creationId xmlns:p14="http://schemas.microsoft.com/office/powerpoint/2010/main" val="2615635381"/>
+      </p:ext>
+    </p:extLst>
+  </p:cSld>
+  <p:clrMapOvr>
+    <a:masterClrMapping/>
+  </p:clrMapOvr>
+</p:sld>
+</file>
+
+<file path=ppt/slides/slide9.xml><?xml version="1.0" encoding="utf-8"?>
+<p:sld xmlns:a="http://schemas.openxmlformats.org/drawingml/2006/main" xmlns:r="http://schemas.openxmlformats.org/officeDocument/2006/relationships" xmlns:p="http://schemas.openxmlformats.org/presentationml/2006/main">
+  <p:cSld>
+    <p:spTree>
+      <p:nvGrpSpPr>
+        <p:cNvPr id="1" name=""/>
+        <p:cNvGrpSpPr/>
+        <p:nvPr/>
+      </p:nvGrpSpPr>
+      <p:grpSpPr>
+        <a:xfrm>
+          <a:off x="0" y="0"/>
+          <a:ext cx="0" cy="0"/>
+          <a:chOff x="0" y="0"/>
+          <a:chExt cx="0" cy="0"/>
+        </a:xfrm>
+      </p:grpSpPr>
+      <p:sp>
+        <p:nvSpPr>
+          <p:cNvPr id="5" name="Content Placeholder 4"/>
+          <p:cNvSpPr>
+            <a:spLocks noGrp="1"/>
+          </p:cNvSpPr>
+          <p:nvPr>
+            <p:ph idx="10"/>
+          </p:nvPr>
+        </p:nvSpPr>
+        <p:spPr/>
+        <p:txBody>
+          <a:bodyPr/>
+          <a:lstStyle/>
+          <a:p>
+            <a:endParaRPr lang="en-US" altLang="ko-KR" dirty="0">
+              <a:latin typeface="Arial" pitchFamily="34" charset="0"/>
+              <a:cs typeface="Arial" pitchFamily="34" charset="0"/>
+            </a:endParaRPr>
+          </a:p>
+          <a:p>
+            <a:pPr marL="285750" indent="-285750">
+              <a:buFont typeface="Wingdings" panose="05000000000000000000" pitchFamily="2" charset="2"/>
+              <a:buChar char="§"/>
+            </a:pPr>
+            <a:endParaRPr lang="en-US" altLang="ko-KR" dirty="0" smtClean="0">
+              <a:latin typeface="Arial" pitchFamily="34" charset="0"/>
+              <a:cs typeface="Arial" pitchFamily="34" charset="0"/>
+            </a:endParaRPr>
+          </a:p>
+          <a:p>
+            <a:pPr marL="285750" indent="-285750">
+              <a:buFont typeface="Arial" panose="020B0604020202020204" pitchFamily="34" charset="0"/>
+              <a:buChar char="•"/>
+            </a:pPr>
+            <a:endParaRPr lang="en-US" altLang="ko-KR" dirty="0" smtClean="0">
+              <a:latin typeface="Arial" pitchFamily="34" charset="0"/>
+              <a:cs typeface="Arial" pitchFamily="34" charset="0"/>
+            </a:endParaRPr>
+          </a:p>
+          <a:p>
+            <a:pPr marL="285750" indent="-285750">
+              <a:buFont typeface="Arial" panose="020B0604020202020204" pitchFamily="34" charset="0"/>
+              <a:buChar char="•"/>
+            </a:pPr>
+            <a:endParaRPr lang="en-US" altLang="ko-KR" dirty="0">
+              <a:latin typeface="Arial" pitchFamily="34" charset="0"/>
+              <a:cs typeface="Arial" pitchFamily="34" charset="0"/>
+            </a:endParaRPr>
+          </a:p>
+        </p:txBody>
+      </p:sp>
+      <p:sp>
+        <p:nvSpPr>
+          <p:cNvPr id="3" name="Title 2"/>
+          <p:cNvSpPr>
+            <a:spLocks noGrp="1"/>
+          </p:cNvSpPr>
+          <p:nvPr>
+            <p:ph type="title"/>
+          </p:nvPr>
+        </p:nvSpPr>
+        <p:spPr/>
+        <p:txBody>
+          <a:bodyPr/>
+          <a:lstStyle/>
+          <a:p>
+            <a:r>
+              <a:rPr lang="en-US" dirty="0" err="1" smtClean="0"/>
+              <a:t>Démonstration</a:t>
+            </a:r>
+            <a:endParaRPr lang="en-US" dirty="0"/>
+          </a:p>
+        </p:txBody>
+      </p:sp>
+      <p:pic>
+        <p:nvPicPr>
+          <p:cNvPr id="6" name="Picture 2" descr="RÃ©sultat de recherche d'images pour &quot;plante logo png&quot;"/>
+          <p:cNvPicPr>
+            <a:picLocks noChangeAspect="1" noChangeArrowheads="1"/>
+          </p:cNvPicPr>
+          <p:nvPr/>
+        </p:nvPicPr>
+        <p:blipFill>
+          <a:blip r:embed="rId2" cstate="print">
+            <a:extLst>
+              <a:ext uri="{28A0092B-C50C-407E-A947-70E740481C1C}">
+                <a14:useLocalDpi xmlns:a14="http://schemas.microsoft.com/office/drawing/2010/main" val="0"/>
+              </a:ext>
+            </a:extLst>
+          </a:blip>
+          <a:srcRect/>
+          <a:stretch>
+            <a:fillRect/>
+          </a:stretch>
+        </p:blipFill>
+        <p:spPr bwMode="auto">
+          <a:xfrm>
+            <a:off x="8678466" y="4662483"/>
+            <a:ext cx="441976" cy="441976"/>
+          </a:xfrm>
+          <a:prstGeom prst="rect">
+            <a:avLst/>
+          </a:prstGeom>
+          <a:noFill/>
+          <a:extLst>
+            <a:ext uri="{909E8E84-426E-40DD-AFC4-6F175D3DCCD1}">
+              <a14:hiddenFill xmlns:a14="http://schemas.microsoft.com/office/drawing/2010/main">
+                <a:solidFill>
+                  <a:srgbClr val="FFFFFF"/>
+                </a:solidFill>
+              </a14:hiddenFill>
+            </a:ext>
+          </a:extLst>
+        </p:spPr>
+      </p:pic>
+      <p:pic>
+        <p:nvPicPr>
+          <p:cNvPr id="5124" name="Picture 4" descr="RÃ©sultat de recherche d'images pour &quot;demonstration png&quot;"/>
+          <p:cNvPicPr>
+            <a:picLocks noChangeAspect="1" noChangeArrowheads="1"/>
+          </p:cNvPicPr>
+          <p:nvPr/>
+        </p:nvPicPr>
+        <p:blipFill>
+          <a:blip r:embed="rId3">
+            <a:extLst>
+              <a:ext uri="{28A0092B-C50C-407E-A947-70E740481C1C}">
+                <a14:useLocalDpi xmlns:a14="http://schemas.microsoft.com/office/drawing/2010/main" val="0"/>
+              </a:ext>
+            </a:extLst>
+          </a:blip>
+          <a:srcRect/>
+          <a:stretch>
+            <a:fillRect/>
+          </a:stretch>
+        </p:blipFill>
+        <p:spPr bwMode="auto">
+          <a:xfrm>
+            <a:off x="2902130" y="1296822"/>
+            <a:ext cx="3339740" cy="3339740"/>
+          </a:xfrm>
+          <a:prstGeom prst="rect">
+            <a:avLst/>
+          </a:prstGeom>
+          <a:noFill/>
+          <a:extLst>
+            <a:ext uri="{909E8E84-426E-40DD-AFC4-6F175D3DCCD1}">
+              <a14:hiddenFill xmlns:a14="http://schemas.microsoft.com/office/drawing/2010/main">
+                <a:solidFill>
+                  <a:srgbClr val="FFFFFF"/>
+                </a:solidFill>
+              </a14:hiddenFill>
+            </a:ext>
+          </a:extLst>
+        </p:spPr>
+      </p:pic>
+    </p:spTree>
+    <p:extLst>
+      <p:ext uri="{BB962C8B-B14F-4D97-AF65-F5344CB8AC3E}">
+        <p14:creationId xmlns:p14="http://schemas.microsoft.com/office/powerpoint/2010/main" val="884737891"/>
       </p:ext>
     </p:extLst>
   </p:cSld>
@@ -5449,4 +7960,265 @@
   <a:objectDefaults/>
   <a:extraClrSchemeLst/>
 </a:theme>
+</file>
+
+<file path=ppt/theme/theme3.xml><?xml version="1.0" encoding="utf-8"?>
+<a:theme xmlns:a="http://schemas.openxmlformats.org/drawingml/2006/main" name="Thème Office">
+  <a:themeElements>
+    <a:clrScheme name="Office">
+      <a:dk1>
+        <a:sysClr val="windowText" lastClr="000000"/>
+      </a:dk1>
+      <a:lt1>
+        <a:sysClr val="window" lastClr="FFFFFF"/>
+      </a:lt1>
+      <a:dk2>
+        <a:srgbClr val="44546A"/>
+      </a:dk2>
+      <a:lt2>
+        <a:srgbClr val="E7E6E6"/>
+      </a:lt2>
+      <a:accent1>
+        <a:srgbClr val="5B9BD5"/>
+      </a:accent1>
+      <a:accent2>
+        <a:srgbClr val="ED7D31"/>
+      </a:accent2>
+      <a:accent3>
+        <a:srgbClr val="A5A5A5"/>
+      </a:accent3>
+      <a:accent4>
+        <a:srgbClr val="FFC000"/>
+      </a:accent4>
+      <a:accent5>
+        <a:srgbClr val="4472C4"/>
+      </a:accent5>
+      <a:accent6>
+        <a:srgbClr val="70AD47"/>
+      </a:accent6>
+      <a:hlink>
+        <a:srgbClr val="0563C1"/>
+      </a:hlink>
+      <a:folHlink>
+        <a:srgbClr val="954F72"/>
+      </a:folHlink>
+    </a:clrScheme>
+    <a:fontScheme name="Office">
+      <a:majorFont>
+        <a:latin typeface="Calibri Light" panose="020F0302020204030204"/>
+        <a:ea typeface=""/>
+        <a:cs typeface=""/>
+        <a:font script="Jpan" typeface="ＭＳ Ｐゴシック"/>
+        <a:font script="Hang" typeface="맑은 고딕"/>
+        <a:font script="Hans" typeface="宋体"/>
+        <a:font script="Hant" typeface="新細明體"/>
+        <a:font script="Arab" typeface="Times New Roman"/>
+        <a:font script="Hebr" typeface="Times New Roman"/>
+        <a:font script="Thai" typeface="Angsana New"/>
+        <a:font script="Ethi" typeface="Nyala"/>
+        <a:font script="Beng" typeface="Vrinda"/>
+        <a:font script="Gujr" typeface="Shruti"/>
+        <a:font script="Khmr" typeface="MoolBoran"/>
+        <a:font script="Knda" typeface="Tunga"/>
+        <a:font script="Guru" typeface="Raavi"/>
+        <a:font script="Cans" typeface="Euphemia"/>
+        <a:font script="Cher" typeface="Plantagenet Cherokee"/>
+        <a:font script="Yiii" typeface="Microsoft Yi Baiti"/>
+        <a:font script="Tibt" typeface="Microsoft Himalaya"/>
+        <a:font script="Thaa" typeface="MV Boli"/>
+        <a:font script="Deva" typeface="Mangal"/>
+        <a:font script="Telu" typeface="Gautami"/>
+        <a:font script="Taml" typeface="Latha"/>
+        <a:font script="Syrc" typeface="Estrangelo Edessa"/>
+        <a:font script="Orya" typeface="Kalinga"/>
+        <a:font script="Mlym" typeface="Kartika"/>
+        <a:font script="Laoo" typeface="DokChampa"/>
+        <a:font script="Sinh" typeface="Iskoola Pota"/>
+        <a:font script="Mong" typeface="Mongolian Baiti"/>
+        <a:font script="Viet" typeface="Times New Roman"/>
+        <a:font script="Uigh" typeface="Microsoft Uighur"/>
+        <a:font script="Geor" typeface="Sylfaen"/>
+      </a:majorFont>
+      <a:minorFont>
+        <a:latin typeface="Calibri" panose="020F0502020204030204"/>
+        <a:ea typeface=""/>
+        <a:cs typeface=""/>
+        <a:font script="Jpan" typeface="ＭＳ Ｐゴシック"/>
+        <a:font script="Hang" typeface="맑은 고딕"/>
+        <a:font script="Hans" typeface="宋体"/>
+        <a:font script="Hant" typeface="新細明體"/>
+        <a:font script="Arab" typeface="Arial"/>
+        <a:font script="Hebr" typeface="Arial"/>
+        <a:font script="Thai" typeface="Cordia New"/>
+        <a:font script="Ethi" typeface="Nyala"/>
+        <a:font script="Beng" typeface="Vrinda"/>
+        <a:font script="Gujr" typeface="Shruti"/>
+        <a:font script="Khmr" typeface="DaunPenh"/>
+        <a:font script="Knda" typeface="Tunga"/>
+        <a:font script="Guru" typeface="Raavi"/>
+        <a:font script="Cans" typeface="Euphemia"/>
+        <a:font script="Cher" typeface="Plantagenet Cherokee"/>
+        <a:font script="Yiii" typeface="Microsoft Yi Baiti"/>
+        <a:font script="Tibt" typeface="Microsoft Himalaya"/>
+        <a:font script="Thaa" typeface="MV Boli"/>
+        <a:font script="Deva" typeface="Mangal"/>
+        <a:font script="Telu" typeface="Gautami"/>
+        <a:font script="Taml" typeface="Latha"/>
+        <a:font script="Syrc" typeface="Estrangelo Edessa"/>
+        <a:font script="Orya" typeface="Kalinga"/>
+        <a:font script="Mlym" typeface="Kartika"/>
+        <a:font script="Laoo" typeface="DokChampa"/>
+        <a:font script="Sinh" typeface="Iskoola Pota"/>
+        <a:font script="Mong" typeface="Mongolian Baiti"/>
+        <a:font script="Viet" typeface="Arial"/>
+        <a:font script="Uigh" typeface="Microsoft Uighur"/>
+        <a:font script="Geor" typeface="Sylfaen"/>
+      </a:minorFont>
+    </a:fontScheme>
+    <a:fmtScheme name="Office">
+      <a:fillStyleLst>
+        <a:solidFill>
+          <a:schemeClr val="phClr"/>
+        </a:solidFill>
+        <a:gradFill rotWithShape="1">
+          <a:gsLst>
+            <a:gs pos="0">
+              <a:schemeClr val="phClr">
+                <a:lumMod val="110000"/>
+                <a:satMod val="105000"/>
+                <a:tint val="67000"/>
+              </a:schemeClr>
+            </a:gs>
+            <a:gs pos="50000">
+              <a:schemeClr val="phClr">
+                <a:lumMod val="105000"/>
+                <a:satMod val="103000"/>
+                <a:tint val="73000"/>
+              </a:schemeClr>
+            </a:gs>
+            <a:gs pos="100000">
+              <a:schemeClr val="phClr">
+                <a:lumMod val="105000"/>
+                <a:satMod val="109000"/>
+                <a:tint val="81000"/>
+              </a:schemeClr>
+            </a:gs>
+          </a:gsLst>
+          <a:lin ang="5400000" scaled="0"/>
+        </a:gradFill>
+        <a:gradFill rotWithShape="1">
+          <a:gsLst>
+            <a:gs pos="0">
+              <a:schemeClr val="phClr">
+                <a:satMod val="103000"/>
+                <a:lumMod val="102000"/>
+                <a:tint val="94000"/>
+              </a:schemeClr>
+            </a:gs>
+            <a:gs pos="50000">
+              <a:schemeClr val="phClr">
+                <a:satMod val="110000"/>
+                <a:lumMod val="100000"/>
+                <a:shade val="100000"/>
+              </a:schemeClr>
+            </a:gs>
+            <a:gs pos="100000">
+              <a:schemeClr val="phClr">
+                <a:lumMod val="99000"/>
+                <a:satMod val="120000"/>
+                <a:shade val="78000"/>
+              </a:schemeClr>
+            </a:gs>
+          </a:gsLst>
+          <a:lin ang="5400000" scaled="0"/>
+        </a:gradFill>
+      </a:fillStyleLst>
+      <a:lnStyleLst>
+        <a:ln w="6350" cap="flat" cmpd="sng" algn="ctr">
+          <a:solidFill>
+            <a:schemeClr val="phClr"/>
+          </a:solidFill>
+          <a:prstDash val="solid"/>
+          <a:miter lim="800000"/>
+        </a:ln>
+        <a:ln w="12700" cap="flat" cmpd="sng" algn="ctr">
+          <a:solidFill>
+            <a:schemeClr val="phClr"/>
+          </a:solidFill>
+          <a:prstDash val="solid"/>
+          <a:miter lim="800000"/>
+        </a:ln>
+        <a:ln w="19050" cap="flat" cmpd="sng" algn="ctr">
+          <a:solidFill>
+            <a:schemeClr val="phClr"/>
+          </a:solidFill>
+          <a:prstDash val="solid"/>
+          <a:miter lim="800000"/>
+        </a:ln>
+      </a:lnStyleLst>
+      <a:effectStyleLst>
+        <a:effectStyle>
+          <a:effectLst/>
+        </a:effectStyle>
+        <a:effectStyle>
+          <a:effectLst/>
+        </a:effectStyle>
+        <a:effectStyle>
+          <a:effectLst>
+            <a:outerShdw blurRad="57150" dist="19050" dir="5400000" algn="ctr" rotWithShape="0">
+              <a:srgbClr val="000000">
+                <a:alpha val="63000"/>
+              </a:srgbClr>
+            </a:outerShdw>
+          </a:effectLst>
+        </a:effectStyle>
+      </a:effectStyleLst>
+      <a:bgFillStyleLst>
+        <a:solidFill>
+          <a:schemeClr val="phClr"/>
+        </a:solidFill>
+        <a:solidFill>
+          <a:schemeClr val="phClr">
+            <a:tint val="95000"/>
+            <a:satMod val="170000"/>
+          </a:schemeClr>
+        </a:solidFill>
+        <a:gradFill rotWithShape="1">
+          <a:gsLst>
+            <a:gs pos="0">
+              <a:schemeClr val="phClr">
+                <a:tint val="93000"/>
+                <a:satMod val="150000"/>
+                <a:shade val="98000"/>
+                <a:lumMod val="102000"/>
+              </a:schemeClr>
+            </a:gs>
+            <a:gs pos="50000">
+              <a:schemeClr val="phClr">
+                <a:tint val="98000"/>
+                <a:satMod val="130000"/>
+                <a:shade val="90000"/>
+                <a:lumMod val="103000"/>
+              </a:schemeClr>
+            </a:gs>
+            <a:gs pos="100000">
+              <a:schemeClr val="phClr">
+                <a:shade val="63000"/>
+                <a:satMod val="120000"/>
+              </a:schemeClr>
+            </a:gs>
+          </a:gsLst>
+          <a:lin ang="5400000" scaled="0"/>
+        </a:gradFill>
+      </a:bgFillStyleLst>
+    </a:fmtScheme>
+  </a:themeElements>
+  <a:objectDefaults/>
+  <a:extraClrSchemeLst/>
+  <a:extLst>
+    <a:ext uri="{05A4C25C-085E-4340-85A3-A5531E510DB2}">
+      <thm15:themeFamily xmlns:thm15="http://schemas.microsoft.com/office/thememl/2012/main" name="Office Theme" id="{62F939B6-93AF-4DB8-9C6B-D6C7DFDC589F}" vid="{4A3C46E8-61CC-4603-A589-7422A47A8E4A}"/>
+    </a:ext>
+  </a:extLst>
+</a:theme>
 </file>